--- a/documentation/Phase 3.pptx
+++ b/documentation/Phase 3.pptx
@@ -743,6 +743,7 @@
           <a:p>
             <a:fld id="{D65BCD19-D0A1-46D9-B99E-FC015B7B3E4E}" type="datetimeFigureOut">
               <a:rPr lang="en-US" smtClean="0"/>
+              <a:pPr/>
               <a:t>5/31/2018</a:t>
             </a:fld>
             <a:endParaRPr lang="en-GB"/>
@@ -805,6 +806,7 @@
           <a:p>
             <a:fld id="{D66D8356-3D7E-41EF-8A7A-A47B98CBB0BD}" type="slidenum">
               <a:rPr lang="en-GB" smtClean="0"/>
+              <a:pPr/>
               <a:t>‹#›</a:t>
             </a:fld>
             <a:endParaRPr lang="en-GB"/>
@@ -939,6 +941,7 @@
           <a:p>
             <a:fld id="{D65BCD19-D0A1-46D9-B99E-FC015B7B3E4E}" type="datetimeFigureOut">
               <a:rPr lang="en-US" smtClean="0"/>
+              <a:pPr/>
               <a:t>5/31/2018</a:t>
             </a:fld>
             <a:endParaRPr lang="en-GB"/>
@@ -985,6 +988,7 @@
           <a:p>
             <a:fld id="{D66D8356-3D7E-41EF-8A7A-A47B98CBB0BD}" type="slidenum">
               <a:rPr lang="en-GB" smtClean="0"/>
+              <a:pPr/>
               <a:t>‹#›</a:t>
             </a:fld>
             <a:endParaRPr lang="en-GB"/>
@@ -1124,6 +1128,7 @@
           <a:p>
             <a:fld id="{D65BCD19-D0A1-46D9-B99E-FC015B7B3E4E}" type="datetimeFigureOut">
               <a:rPr lang="en-US" smtClean="0"/>
+              <a:pPr/>
               <a:t>5/31/2018</a:t>
             </a:fld>
             <a:endParaRPr lang="en-GB"/>
@@ -1170,6 +1175,7 @@
           <a:p>
             <a:fld id="{D66D8356-3D7E-41EF-8A7A-A47B98CBB0BD}" type="slidenum">
               <a:rPr lang="en-GB" smtClean="0"/>
+              <a:pPr/>
               <a:t>‹#›</a:t>
             </a:fld>
             <a:endParaRPr lang="en-GB"/>
@@ -1274,6 +1280,7 @@
           <a:p>
             <a:fld id="{D65BCD19-D0A1-46D9-B99E-FC015B7B3E4E}" type="datetimeFigureOut">
               <a:rPr lang="en-US" smtClean="0"/>
+              <a:pPr/>
               <a:t>5/31/2018</a:t>
             </a:fld>
             <a:endParaRPr lang="en-GB"/>
@@ -1320,6 +1327,7 @@
           <a:p>
             <a:fld id="{D66D8356-3D7E-41EF-8A7A-A47B98CBB0BD}" type="slidenum">
               <a:rPr lang="en-GB" smtClean="0"/>
+              <a:pPr/>
               <a:t>‹#›</a:t>
             </a:fld>
             <a:endParaRPr lang="en-GB"/>
@@ -1529,6 +1537,7 @@
           <a:p>
             <a:fld id="{D65BCD19-D0A1-46D9-B99E-FC015B7B3E4E}" type="datetimeFigureOut">
               <a:rPr lang="en-US" smtClean="0"/>
+              <a:pPr/>
               <a:t>5/31/2018</a:t>
             </a:fld>
             <a:endParaRPr lang="en-GB"/>
@@ -1575,6 +1584,7 @@
           <a:p>
             <a:fld id="{D66D8356-3D7E-41EF-8A7A-A47B98CBB0BD}" type="slidenum">
               <a:rPr lang="en-GB" smtClean="0"/>
+              <a:pPr/>
               <a:t>‹#›</a:t>
             </a:fld>
             <a:endParaRPr lang="en-GB"/>
@@ -1938,6 +1948,7 @@
           <a:p>
             <a:fld id="{D65BCD19-D0A1-46D9-B99E-FC015B7B3E4E}" type="datetimeFigureOut">
               <a:rPr lang="en-US" smtClean="0"/>
+              <a:pPr/>
               <a:t>5/31/2018</a:t>
             </a:fld>
             <a:endParaRPr lang="en-GB"/>
@@ -1984,6 +1995,7 @@
           <a:p>
             <a:fld id="{D66D8356-3D7E-41EF-8A7A-A47B98CBB0BD}" type="slidenum">
               <a:rPr lang="en-GB" smtClean="0"/>
+              <a:pPr/>
               <a:t>‹#›</a:t>
             </a:fld>
             <a:endParaRPr lang="en-GB"/>
@@ -2384,6 +2396,7 @@
           <a:p>
             <a:fld id="{D65BCD19-D0A1-46D9-B99E-FC015B7B3E4E}" type="datetimeFigureOut">
               <a:rPr lang="en-US" smtClean="0"/>
+              <a:pPr/>
               <a:t>5/31/2018</a:t>
             </a:fld>
             <a:endParaRPr lang="en-GB"/>
@@ -2430,6 +2443,7 @@
           <a:p>
             <a:fld id="{D66D8356-3D7E-41EF-8A7A-A47B98CBB0BD}" type="slidenum">
               <a:rPr lang="en-GB" smtClean="0"/>
+              <a:pPr/>
               <a:t>‹#›</a:t>
             </a:fld>
             <a:endParaRPr lang="en-GB"/>
@@ -2485,6 +2499,7 @@
           <a:p>
             <a:fld id="{D65BCD19-D0A1-46D9-B99E-FC015B7B3E4E}" type="datetimeFigureOut">
               <a:rPr lang="en-US" smtClean="0"/>
+              <a:pPr/>
               <a:t>5/31/2018</a:t>
             </a:fld>
             <a:endParaRPr lang="en-GB"/>
@@ -2531,6 +2546,7 @@
           <a:p>
             <a:fld id="{D66D8356-3D7E-41EF-8A7A-A47B98CBB0BD}" type="slidenum">
               <a:rPr lang="en-GB" smtClean="0"/>
+              <a:pPr/>
               <a:t>‹#›</a:t>
             </a:fld>
             <a:endParaRPr lang="en-GB"/>
@@ -2606,6 +2622,7 @@
           <a:p>
             <a:fld id="{D65BCD19-D0A1-46D9-B99E-FC015B7B3E4E}" type="datetimeFigureOut">
               <a:rPr lang="en-US" smtClean="0"/>
+              <a:pPr/>
               <a:t>5/31/2018</a:t>
             </a:fld>
             <a:endParaRPr lang="en-GB"/>
@@ -2652,6 +2669,7 @@
           <a:p>
             <a:fld id="{D66D8356-3D7E-41EF-8A7A-A47B98CBB0BD}" type="slidenum">
               <a:rPr lang="en-GB" smtClean="0"/>
+              <a:pPr/>
               <a:t>‹#›</a:t>
             </a:fld>
             <a:endParaRPr lang="en-GB"/>
@@ -2880,6 +2898,7 @@
           <a:p>
             <a:fld id="{D65BCD19-D0A1-46D9-B99E-FC015B7B3E4E}" type="datetimeFigureOut">
               <a:rPr lang="en-US" smtClean="0"/>
+              <a:pPr/>
               <a:t>5/31/2018</a:t>
             </a:fld>
             <a:endParaRPr lang="en-GB"/>
@@ -2926,6 +2945,7 @@
           <a:p>
             <a:fld id="{D66D8356-3D7E-41EF-8A7A-A47B98CBB0BD}" type="slidenum">
               <a:rPr lang="en-GB" smtClean="0"/>
+              <a:pPr/>
               <a:t>‹#›</a:t>
             </a:fld>
             <a:endParaRPr lang="en-GB"/>
@@ -3085,6 +3105,7 @@
           <a:p>
             <a:fld id="{D65BCD19-D0A1-46D9-B99E-FC015B7B3E4E}" type="datetimeFigureOut">
               <a:rPr lang="en-US" smtClean="0"/>
+              <a:pPr/>
               <a:t>5/31/2018</a:t>
             </a:fld>
             <a:endParaRPr lang="en-GB"/>
@@ -3150,6 +3171,7 @@
           <a:p>
             <a:fld id="{D66D8356-3D7E-41EF-8A7A-A47B98CBB0BD}" type="slidenum">
               <a:rPr lang="en-GB" smtClean="0"/>
+              <a:pPr/>
               <a:t>‹#›</a:t>
             </a:fld>
             <a:endParaRPr lang="en-GB"/>
@@ -4194,6 +4216,7 @@
           <a:p>
             <a:fld id="{D65BCD19-D0A1-46D9-B99E-FC015B7B3E4E}" type="datetimeFigureOut">
               <a:rPr lang="en-US" smtClean="0"/>
+              <a:pPr/>
               <a:t>5/31/2018</a:t>
             </a:fld>
             <a:endParaRPr lang="en-GB"/>
@@ -4270,6 +4293,7 @@
           <a:p>
             <a:fld id="{D66D8356-3D7E-41EF-8A7A-A47B98CBB0BD}" type="slidenum">
               <a:rPr lang="en-GB" smtClean="0"/>
+              <a:pPr/>
               <a:t>‹#›</a:t>
             </a:fld>
             <a:endParaRPr lang="en-GB"/>
@@ -4687,7 +4711,11 @@
           <a:bodyPr/>
           <a:lstStyle/>
           <a:p>
-            <a:endParaRPr lang="en-GB"/>
+            <a:r>
+              <a:rPr lang="en-NZ" dirty="0" smtClean="0"/>
+              <a:t>What to discuss?</a:t>
+            </a:r>
+            <a:endParaRPr lang="en-GB" dirty="0"/>
           </a:p>
         </p:txBody>
       </p:sp>
@@ -4756,7 +4784,15 @@
           <a:p>
             <a:r>
               <a:rPr lang="en-NZ" dirty="0" smtClean="0"/>
-              <a:t>*I need numbers here*</a:t>
+              <a:t>*</a:t>
+            </a:r>
+            <a:r>
+              <a:rPr lang="en-NZ" b="1" i="1" dirty="0" smtClean="0"/>
+              <a:t>I need numbers here</a:t>
+            </a:r>
+            <a:r>
+              <a:rPr lang="en-NZ" dirty="0" smtClean="0"/>
+              <a:t>*</a:t>
             </a:r>
           </a:p>
           <a:p>
@@ -4765,8 +4801,13 @@
           <a:p>
             <a:r>
               <a:rPr lang="en-NZ" dirty="0" smtClean="0"/>
-              <a:t>Compare baseline solution with final solution</a:t>
-            </a:r>
+              <a:t>Compare baseline solution with final </a:t>
+            </a:r>
+            <a:r>
+              <a:rPr lang="en-NZ" dirty="0" smtClean="0"/>
+              <a:t>solution</a:t>
+            </a:r>
+            <a:endParaRPr lang="en-NZ" dirty="0" smtClean="0"/>
           </a:p>
         </p:txBody>
       </p:sp>
@@ -4833,6 +4874,14 @@
           <a:bodyPr/>
           <a:lstStyle/>
           <a:p>
+            <a:r>
+              <a:rPr lang="en-NZ" dirty="0" smtClean="0"/>
+              <a:t>No Hitler references here </a:t>
+            </a:r>
+            <a:r>
+              <a:rPr lang="en-NZ" dirty="0" err="1" smtClean="0"/>
+              <a:t>plz</a:t>
+            </a:r>
             <a:endParaRPr lang="en-GB" dirty="0"/>
           </a:p>
         </p:txBody>
@@ -4971,7 +5020,36 @@
           <a:bodyPr/>
           <a:lstStyle/>
           <a:p>
-            <a:endParaRPr lang="en-GB"/>
+            <a:endParaRPr lang="en-NZ" dirty="0" smtClean="0"/>
+          </a:p>
+          <a:p>
+            <a:r>
+              <a:rPr lang="en-NZ" dirty="0" smtClean="0"/>
+              <a:t>ID Tag – 8 bits</a:t>
+            </a:r>
+          </a:p>
+          <a:p>
+            <a:endParaRPr lang="en-NZ" dirty="0" smtClean="0"/>
+          </a:p>
+          <a:p>
+            <a:r>
+              <a:rPr lang="en-NZ" dirty="0" smtClean="0"/>
+              <a:t>First 3 bits identify filter type</a:t>
+            </a:r>
+          </a:p>
+          <a:p>
+            <a:endParaRPr lang="en-NZ" dirty="0" smtClean="0"/>
+          </a:p>
+          <a:p>
+            <a:r>
+              <a:rPr lang="en-NZ" dirty="0" smtClean="0"/>
+              <a:t>Last 5 bits is the number of the </a:t>
+            </a:r>
+            <a:r>
+              <a:rPr lang="en-NZ" dirty="0" smtClean="0"/>
+              <a:t>packet</a:t>
+            </a:r>
+            <a:endParaRPr lang="en-NZ" dirty="0" smtClean="0"/>
           </a:p>
         </p:txBody>
       </p:sp>
@@ -4998,11 +5076,749 @@
           </a:p>
         </p:txBody>
       </p:sp>
+      <p:graphicFrame>
+        <p:nvGraphicFramePr>
+          <p:cNvPr id="5" name="Table 4"/>
+          <p:cNvGraphicFramePr>
+            <a:graphicFrameLocks noGrp="1"/>
+          </p:cNvGraphicFramePr>
+          <p:nvPr/>
+        </p:nvGraphicFramePr>
+        <p:xfrm>
+          <a:off x="2001404" y="4774180"/>
+          <a:ext cx="6095997" cy="370840"/>
+        </p:xfrm>
+        <a:graphic>
+          <a:graphicData uri="http://schemas.openxmlformats.org/drawingml/2006/table">
+            <a:tbl>
+              <a:tblPr firstRow="1" bandRow="1">
+                <a:tableStyleId>{5940675A-B579-460E-94D1-54222C63F5DA}</a:tableStyleId>
+              </a:tblPr>
+              <a:tblGrid>
+                <a:gridCol w="677333"/>
+                <a:gridCol w="677333"/>
+                <a:gridCol w="677333"/>
+                <a:gridCol w="677333"/>
+                <a:gridCol w="677333"/>
+                <a:gridCol w="677333"/>
+                <a:gridCol w="677333"/>
+                <a:gridCol w="677333"/>
+                <a:gridCol w="677333"/>
+              </a:tblGrid>
+              <a:tr h="370840">
+                <a:tc>
+                  <a:txBody>
+                    <a:bodyPr/>
+                    <a:lstStyle/>
+                    <a:p>
+                      <a:pPr algn="ctr"/>
+                      <a:r>
+                        <a:rPr lang="en-NZ" dirty="0" smtClean="0"/>
+                        <a:t>0</a:t>
+                      </a:r>
+                      <a:endParaRPr lang="en-GB" dirty="0"/>
+                    </a:p>
+                  </a:txBody>
+                  <a:tcPr/>
+                </a:tc>
+                <a:tc>
+                  <a:txBody>
+                    <a:bodyPr/>
+                    <a:lstStyle/>
+                    <a:p>
+                      <a:pPr algn="ctr"/>
+                      <a:r>
+                        <a:rPr lang="en-NZ" dirty="0" smtClean="0"/>
+                        <a:t>1</a:t>
+                      </a:r>
+                      <a:endParaRPr lang="en-GB" dirty="0"/>
+                    </a:p>
+                  </a:txBody>
+                  <a:tcPr/>
+                </a:tc>
+                <a:tc>
+                  <a:txBody>
+                    <a:bodyPr/>
+                    <a:lstStyle/>
+                    <a:p>
+                      <a:pPr algn="ctr"/>
+                      <a:r>
+                        <a:rPr lang="en-NZ" dirty="0" smtClean="0"/>
+                        <a:t>1</a:t>
+                      </a:r>
+                      <a:endParaRPr lang="en-GB" dirty="0"/>
+                    </a:p>
+                  </a:txBody>
+                  <a:tcPr/>
+                </a:tc>
+                <a:tc>
+                  <a:txBody>
+                    <a:bodyPr/>
+                    <a:lstStyle/>
+                    <a:p>
+                      <a:pPr algn="ctr"/>
+                      <a:r>
+                        <a:rPr lang="en-NZ" dirty="0" smtClean="0"/>
+                        <a:t>0</a:t>
+                      </a:r>
+                      <a:endParaRPr lang="en-GB" dirty="0"/>
+                    </a:p>
+                  </a:txBody>
+                  <a:tcPr/>
+                </a:tc>
+                <a:tc>
+                  <a:txBody>
+                    <a:bodyPr/>
+                    <a:lstStyle/>
+                    <a:p>
+                      <a:pPr algn="ctr"/>
+                      <a:r>
+                        <a:rPr lang="en-NZ" dirty="0" smtClean="0"/>
+                        <a:t>0</a:t>
+                      </a:r>
+                      <a:endParaRPr lang="en-GB" dirty="0"/>
+                    </a:p>
+                  </a:txBody>
+                  <a:tcPr/>
+                </a:tc>
+                <a:tc>
+                  <a:txBody>
+                    <a:bodyPr/>
+                    <a:lstStyle/>
+                    <a:p>
+                      <a:pPr algn="ctr"/>
+                      <a:r>
+                        <a:rPr lang="en-NZ" dirty="0" smtClean="0"/>
+                        <a:t>0</a:t>
+                      </a:r>
+                      <a:endParaRPr lang="en-GB" dirty="0"/>
+                    </a:p>
+                  </a:txBody>
+                  <a:tcPr/>
+                </a:tc>
+                <a:tc>
+                  <a:txBody>
+                    <a:bodyPr/>
+                    <a:lstStyle/>
+                    <a:p>
+                      <a:pPr algn="ctr"/>
+                      <a:r>
+                        <a:rPr lang="en-NZ" dirty="0" smtClean="0"/>
+                        <a:t>0</a:t>
+                      </a:r>
+                      <a:endParaRPr lang="en-GB" dirty="0"/>
+                    </a:p>
+                  </a:txBody>
+                  <a:tcPr/>
+                </a:tc>
+                <a:tc>
+                  <a:txBody>
+                    <a:bodyPr/>
+                    <a:lstStyle/>
+                    <a:p>
+                      <a:pPr algn="ctr"/>
+                      <a:r>
+                        <a:rPr lang="en-NZ" dirty="0" smtClean="0"/>
+                        <a:t>0</a:t>
+                      </a:r>
+                      <a:endParaRPr lang="en-GB" dirty="0"/>
+                    </a:p>
+                  </a:txBody>
+                  <a:tcPr/>
+                </a:tc>
+                <a:tc>
+                  <a:txBody>
+                    <a:bodyPr/>
+                    <a:lstStyle/>
+                    <a:p>
+                      <a:pPr algn="ctr"/>
+                      <a:r>
+                        <a:rPr lang="en-NZ" dirty="0" smtClean="0"/>
+                        <a:t>1</a:t>
+                      </a:r>
+                      <a:endParaRPr lang="en-GB" dirty="0"/>
+                    </a:p>
+                  </a:txBody>
+                  <a:tcPr/>
+                </a:tc>
+              </a:tr>
+            </a:tbl>
+          </a:graphicData>
+        </a:graphic>
+      </p:graphicFrame>
+      <p:grpSp>
+        <p:nvGrpSpPr>
+          <p:cNvPr id="11" name="Group 10"/>
+          <p:cNvGrpSpPr/>
+          <p:nvPr/>
+        </p:nvGrpSpPr>
+        <p:grpSpPr>
+          <a:xfrm>
+            <a:off x="1071538" y="4774180"/>
+            <a:ext cx="7000924" cy="1226588"/>
+            <a:chOff x="285720" y="4572008"/>
+            <a:chExt cx="7000924" cy="1226588"/>
+          </a:xfrm>
+        </p:grpSpPr>
+        <p:sp>
+          <p:nvSpPr>
+            <p:cNvPr id="6" name="TextBox 5"/>
+            <p:cNvSpPr txBox="1"/>
+            <p:nvPr/>
+          </p:nvSpPr>
+          <p:spPr>
+            <a:xfrm>
+              <a:off x="285720" y="4572008"/>
+              <a:ext cx="915635" cy="369332"/>
+            </a:xfrm>
+            <a:prstGeom prst="rect">
+              <a:avLst/>
+            </a:prstGeom>
+            <a:noFill/>
+          </p:spPr>
+          <p:txBody>
+            <a:bodyPr wrap="none" rtlCol="0">
+              <a:spAutoFit/>
+            </a:bodyPr>
+            <a:lstStyle/>
+            <a:p>
+              <a:r>
+                <a:rPr lang="en-NZ" b="1" dirty="0" smtClean="0"/>
+                <a:t>ID Tag</a:t>
+              </a:r>
+              <a:endParaRPr lang="en-GB" b="1" dirty="0"/>
+            </a:p>
+          </p:txBody>
+        </p:sp>
+        <p:sp>
+          <p:nvSpPr>
+            <p:cNvPr id="7" name="Right Brace 6"/>
+            <p:cNvSpPr/>
+            <p:nvPr/>
+          </p:nvSpPr>
+          <p:spPr>
+            <a:xfrm rot="5400000">
+              <a:off x="2035951" y="4179099"/>
+              <a:ext cx="357190" cy="2000264"/>
+            </a:xfrm>
+            <a:prstGeom prst="rightBrace">
+              <a:avLst/>
+            </a:prstGeom>
+            <a:ln w="12700"/>
+          </p:spPr>
+          <p:style>
+            <a:lnRef idx="1">
+              <a:schemeClr val="dk1"/>
+            </a:lnRef>
+            <a:fillRef idx="0">
+              <a:schemeClr val="dk1"/>
+            </a:fillRef>
+            <a:effectRef idx="0">
+              <a:schemeClr val="dk1"/>
+            </a:effectRef>
+            <a:fontRef idx="minor">
+              <a:schemeClr val="tx1"/>
+            </a:fontRef>
+          </p:style>
+          <p:txBody>
+            <a:bodyPr rtlCol="0" anchor="ctr"/>
+            <a:lstStyle/>
+            <a:p>
+              <a:pPr algn="ctr"/>
+              <a:endParaRPr lang="en-GB"/>
+            </a:p>
+          </p:txBody>
+        </p:sp>
+        <p:sp>
+          <p:nvSpPr>
+            <p:cNvPr id="8" name="Right Brace 7"/>
+            <p:cNvSpPr/>
+            <p:nvPr/>
+          </p:nvSpPr>
+          <p:spPr>
+            <a:xfrm rot="5400000">
+              <a:off x="5107785" y="3178967"/>
+              <a:ext cx="357190" cy="4000528"/>
+            </a:xfrm>
+            <a:prstGeom prst="rightBrace">
+              <a:avLst/>
+            </a:prstGeom>
+            <a:ln w="12700"/>
+          </p:spPr>
+          <p:style>
+            <a:lnRef idx="1">
+              <a:schemeClr val="dk1"/>
+            </a:lnRef>
+            <a:fillRef idx="0">
+              <a:schemeClr val="dk1"/>
+            </a:fillRef>
+            <a:effectRef idx="0">
+              <a:schemeClr val="dk1"/>
+            </a:effectRef>
+            <a:fontRef idx="minor">
+              <a:schemeClr val="tx1"/>
+            </a:fontRef>
+          </p:style>
+          <p:txBody>
+            <a:bodyPr rtlCol="0" anchor="ctr"/>
+            <a:lstStyle/>
+            <a:p>
+              <a:pPr algn="ctr"/>
+              <a:endParaRPr lang="en-GB"/>
+            </a:p>
+          </p:txBody>
+        </p:sp>
+        <p:sp>
+          <p:nvSpPr>
+            <p:cNvPr id="9" name="TextBox 8"/>
+            <p:cNvSpPr txBox="1"/>
+            <p:nvPr/>
+          </p:nvSpPr>
+          <p:spPr>
+            <a:xfrm>
+              <a:off x="1571604" y="5429264"/>
+              <a:ext cx="1306768" cy="369332"/>
+            </a:xfrm>
+            <a:prstGeom prst="rect">
+              <a:avLst/>
+            </a:prstGeom>
+            <a:noFill/>
+          </p:spPr>
+          <p:txBody>
+            <a:bodyPr wrap="none" rtlCol="0">
+              <a:spAutoFit/>
+            </a:bodyPr>
+            <a:lstStyle/>
+            <a:p>
+              <a:r>
+                <a:rPr lang="en-NZ" dirty="0" smtClean="0"/>
+                <a:t>Filter type</a:t>
+              </a:r>
+              <a:endParaRPr lang="en-GB" dirty="0"/>
+            </a:p>
+          </p:txBody>
+        </p:sp>
+        <p:sp>
+          <p:nvSpPr>
+            <p:cNvPr id="10" name="TextBox 9"/>
+            <p:cNvSpPr txBox="1"/>
+            <p:nvPr/>
+          </p:nvSpPr>
+          <p:spPr>
+            <a:xfrm>
+              <a:off x="4429124" y="5429264"/>
+              <a:ext cx="1851789" cy="369332"/>
+            </a:xfrm>
+            <a:prstGeom prst="rect">
+              <a:avLst/>
+            </a:prstGeom>
+            <a:noFill/>
+          </p:spPr>
+          <p:txBody>
+            <a:bodyPr wrap="none" rtlCol="0">
+              <a:spAutoFit/>
+            </a:bodyPr>
+            <a:lstStyle/>
+            <a:p>
+              <a:r>
+                <a:rPr lang="en-NZ" dirty="0" smtClean="0"/>
+                <a:t>Packet number</a:t>
+              </a:r>
+              <a:endParaRPr lang="en-GB" dirty="0"/>
+            </a:p>
+          </p:txBody>
+        </p:sp>
+      </p:grpSp>
+      <p:graphicFrame>
+        <p:nvGraphicFramePr>
+          <p:cNvPr id="13" name="Table 12"/>
+          <p:cNvGraphicFramePr>
+            <a:graphicFrameLocks noGrp="1"/>
+          </p:cNvGraphicFramePr>
+          <p:nvPr/>
+        </p:nvGraphicFramePr>
+        <p:xfrm>
+          <a:off x="4500562" y="214290"/>
+          <a:ext cx="3705860" cy="2194560"/>
+        </p:xfrm>
+        <a:graphic>
+          <a:graphicData uri="http://schemas.openxmlformats.org/drawingml/2006/table">
+            <a:tbl>
+              <a:tblPr firstRow="1" bandRow="1">
+                <a:tableStyleId>{9D7B26C5-4107-4FEC-AEDC-1716B250A1EF}</a:tableStyleId>
+              </a:tblPr>
+              <a:tblGrid>
+                <a:gridCol w="1852930"/>
+                <a:gridCol w="1852930"/>
+              </a:tblGrid>
+              <a:tr h="329405">
+                <a:tc>
+                  <a:txBody>
+                    <a:bodyPr/>
+                    <a:lstStyle/>
+                    <a:p>
+                      <a:pPr algn="ctr"/>
+                      <a:r>
+                        <a:rPr lang="en-NZ" dirty="0" smtClean="0"/>
+                        <a:t>Filter</a:t>
+                      </a:r>
+                      <a:r>
+                        <a:rPr lang="en-NZ" baseline="0" dirty="0" smtClean="0"/>
+                        <a:t> type bits</a:t>
+                      </a:r>
+                      <a:endParaRPr lang="en-GB" dirty="0"/>
+                    </a:p>
+                  </a:txBody>
+                  <a:tcPr/>
+                </a:tc>
+                <a:tc>
+                  <a:txBody>
+                    <a:bodyPr/>
+                    <a:lstStyle/>
+                    <a:p>
+                      <a:pPr algn="ctr"/>
+                      <a:r>
+                        <a:rPr lang="en-NZ" dirty="0" smtClean="0"/>
+                        <a:t>Filter</a:t>
+                      </a:r>
+                      <a:endParaRPr lang="en-GB" dirty="0"/>
+                    </a:p>
+                  </a:txBody>
+                  <a:tcPr/>
+                </a:tc>
+              </a:tr>
+              <a:tr h="329405">
+                <a:tc>
+                  <a:txBody>
+                    <a:bodyPr/>
+                    <a:lstStyle/>
+                    <a:p>
+                      <a:pPr algn="ctr"/>
+                      <a:r>
+                        <a:rPr lang="en-NZ" dirty="0" smtClean="0"/>
+                        <a:t>000</a:t>
+                      </a:r>
+                      <a:endParaRPr lang="en-GB" dirty="0"/>
+                    </a:p>
+                  </a:txBody>
+                  <a:tcPr/>
+                </a:tc>
+                <a:tc>
+                  <a:txBody>
+                    <a:bodyPr/>
+                    <a:lstStyle/>
+                    <a:p>
+                      <a:pPr algn="ctr"/>
+                      <a:r>
+                        <a:rPr lang="en-NZ" dirty="0" smtClean="0"/>
+                        <a:t>Edge filter</a:t>
+                      </a:r>
+                      <a:endParaRPr lang="en-GB" dirty="0"/>
+                    </a:p>
+                  </a:txBody>
+                  <a:tcPr/>
+                </a:tc>
+              </a:tr>
+              <a:tr h="329405">
+                <a:tc>
+                  <a:txBody>
+                    <a:bodyPr/>
+                    <a:lstStyle/>
+                    <a:p>
+                      <a:pPr algn="ctr"/>
+                      <a:r>
+                        <a:rPr lang="en-NZ" dirty="0" smtClean="0"/>
+                        <a:t>001</a:t>
+                      </a:r>
+                      <a:endParaRPr lang="en-GB" dirty="0"/>
+                    </a:p>
+                  </a:txBody>
+                  <a:tcPr/>
+                </a:tc>
+                <a:tc>
+                  <a:txBody>
+                    <a:bodyPr/>
+                    <a:lstStyle/>
+                    <a:p>
+                      <a:pPr algn="ctr"/>
+                      <a:r>
+                        <a:rPr lang="en-NZ" dirty="0" smtClean="0"/>
+                        <a:t>Gaussian</a:t>
+                      </a:r>
+                      <a:r>
+                        <a:rPr lang="en-NZ" dirty="0" smtClean="0"/>
+                        <a:t> filter</a:t>
+                      </a:r>
+                      <a:endParaRPr lang="en-GB" dirty="0"/>
+                    </a:p>
+                  </a:txBody>
+                  <a:tcPr/>
+                </a:tc>
+              </a:tr>
+              <a:tr h="329405">
+                <a:tc>
+                  <a:txBody>
+                    <a:bodyPr/>
+                    <a:lstStyle/>
+                    <a:p>
+                      <a:pPr algn="ctr"/>
+                      <a:r>
+                        <a:rPr lang="en-NZ" dirty="0" smtClean="0"/>
+                        <a:t>010</a:t>
+                      </a:r>
+                      <a:endParaRPr lang="en-GB" dirty="0"/>
+                    </a:p>
+                  </a:txBody>
+                  <a:tcPr/>
+                </a:tc>
+                <a:tc>
+                  <a:txBody>
+                    <a:bodyPr/>
+                    <a:lstStyle/>
+                    <a:p>
+                      <a:pPr algn="ctr"/>
+                      <a:r>
+                        <a:rPr lang="en-NZ" dirty="0" smtClean="0"/>
+                        <a:t>Identity</a:t>
+                      </a:r>
+                      <a:r>
+                        <a:rPr lang="en-NZ" dirty="0" smtClean="0"/>
+                        <a:t> filter</a:t>
+                      </a:r>
+                      <a:endParaRPr lang="en-GB" dirty="0"/>
+                    </a:p>
+                  </a:txBody>
+                  <a:tcPr/>
+                </a:tc>
+              </a:tr>
+              <a:tr h="329405">
+                <a:tc>
+                  <a:txBody>
+                    <a:bodyPr/>
+                    <a:lstStyle/>
+                    <a:p>
+                      <a:pPr algn="ctr"/>
+                      <a:r>
+                        <a:rPr lang="en-NZ" dirty="0" smtClean="0"/>
+                        <a:t>011</a:t>
+                      </a:r>
+                      <a:endParaRPr lang="en-GB" dirty="0"/>
+                    </a:p>
+                  </a:txBody>
+                  <a:tcPr/>
+                </a:tc>
+                <a:tc>
+                  <a:txBody>
+                    <a:bodyPr/>
+                    <a:lstStyle/>
+                    <a:p>
+                      <a:pPr algn="ctr"/>
+                      <a:r>
+                        <a:rPr lang="en-NZ" dirty="0" smtClean="0"/>
+                        <a:t>Median</a:t>
+                      </a:r>
+                      <a:r>
+                        <a:rPr lang="en-NZ" dirty="0" smtClean="0"/>
+                        <a:t> filter</a:t>
+                      </a:r>
+                      <a:endParaRPr lang="en-GB" dirty="0"/>
+                    </a:p>
+                  </a:txBody>
+                  <a:tcPr/>
+                </a:tc>
+              </a:tr>
+              <a:tr h="329405">
+                <a:tc>
+                  <a:txBody>
+                    <a:bodyPr/>
+                    <a:lstStyle/>
+                    <a:p>
+                      <a:pPr algn="ctr"/>
+                      <a:r>
+                        <a:rPr lang="en-NZ" dirty="0" smtClean="0"/>
+                        <a:t>1XX</a:t>
+                      </a:r>
+                      <a:endParaRPr lang="en-GB" dirty="0"/>
+                    </a:p>
+                  </a:txBody>
+                  <a:tcPr/>
+                </a:tc>
+                <a:tc>
+                  <a:txBody>
+                    <a:bodyPr/>
+                    <a:lstStyle/>
+                    <a:p>
+                      <a:pPr algn="ctr"/>
+                      <a:r>
+                        <a:rPr lang="en-NZ" dirty="0" smtClean="0"/>
+                        <a:t>Sobel</a:t>
+                      </a:r>
+                      <a:r>
+                        <a:rPr lang="en-NZ" dirty="0" smtClean="0"/>
+                        <a:t> filter</a:t>
+                      </a:r>
+                      <a:endParaRPr lang="en-GB" dirty="0"/>
+                    </a:p>
+                  </a:txBody>
+                  <a:tcPr/>
+                </a:tc>
+              </a:tr>
+            </a:tbl>
+          </a:graphicData>
+        </a:graphic>
+      </p:graphicFrame>
     </p:spTree>
   </p:cSld>
   <p:clrMapOvr>
     <a:masterClrMapping/>
   </p:clrMapOvr>
+  <p:timing>
+    <p:tnLst>
+      <p:par>
+        <p:cTn id="1" dur="indefinite" restart="never" nodeType="tmRoot">
+          <p:childTnLst>
+            <p:seq concurrent="1" nextAc="seek">
+              <p:cTn id="2" dur="indefinite" nodeType="mainSeq">
+                <p:childTnLst>
+                  <p:par>
+                    <p:cTn id="3" fill="hold">
+                      <p:stCondLst>
+                        <p:cond delay="indefinite"/>
+                      </p:stCondLst>
+                      <p:childTnLst>
+                        <p:par>
+                          <p:cTn id="4" fill="hold">
+                            <p:stCondLst>
+                              <p:cond delay="0"/>
+                            </p:stCondLst>
+                            <p:childTnLst>
+                              <p:par>
+                                <p:cTn id="5" presetID="1" presetClass="entr" presetSubtype="0" fill="hold" nodeType="clickEffect">
+                                  <p:stCondLst>
+                                    <p:cond delay="0"/>
+                                  </p:stCondLst>
+                                  <p:childTnLst>
+                                    <p:set>
+                                      <p:cBhvr>
+                                        <p:cTn id="6" dur="1" fill="hold">
+                                          <p:stCondLst>
+                                            <p:cond delay="0"/>
+                                          </p:stCondLst>
+                                        </p:cTn>
+                                        <p:tgtEl>
+                                          <p:spTgt spid="11"/>
+                                        </p:tgtEl>
+                                        <p:attrNameLst>
+                                          <p:attrName>style.visibility</p:attrName>
+                                        </p:attrNameLst>
+                                      </p:cBhvr>
+                                      <p:to>
+                                        <p:strVal val="visible"/>
+                                      </p:to>
+                                    </p:set>
+                                  </p:childTnLst>
+                                </p:cTn>
+                              </p:par>
+                              <p:par>
+                                <p:cTn id="7" presetID="1" presetClass="entr" presetSubtype="0" fill="hold" nodeType="withEffect">
+                                  <p:stCondLst>
+                                    <p:cond delay="0"/>
+                                  </p:stCondLst>
+                                  <p:childTnLst>
+                                    <p:set>
+                                      <p:cBhvr>
+                                        <p:cTn id="8" dur="1" fill="hold">
+                                          <p:stCondLst>
+                                            <p:cond delay="0"/>
+                                          </p:stCondLst>
+                                        </p:cTn>
+                                        <p:tgtEl>
+                                          <p:spTgt spid="5"/>
+                                        </p:tgtEl>
+                                        <p:attrNameLst>
+                                          <p:attrName>style.visibility</p:attrName>
+                                        </p:attrNameLst>
+                                      </p:cBhvr>
+                                      <p:to>
+                                        <p:strVal val="visible"/>
+                                      </p:to>
+                                    </p:set>
+                                  </p:childTnLst>
+                                </p:cTn>
+                              </p:par>
+                            </p:childTnLst>
+                          </p:cTn>
+                        </p:par>
+                      </p:childTnLst>
+                    </p:cTn>
+                  </p:par>
+                  <p:par>
+                    <p:cTn id="9" fill="hold">
+                      <p:stCondLst>
+                        <p:cond delay="indefinite"/>
+                      </p:stCondLst>
+                      <p:childTnLst>
+                        <p:par>
+                          <p:cTn id="10" fill="hold">
+                            <p:stCondLst>
+                              <p:cond delay="0"/>
+                            </p:stCondLst>
+                            <p:childTnLst>
+                              <p:par>
+                                <p:cTn id="11" presetID="1" presetClass="entr" presetSubtype="0" fill="hold" nodeType="clickEffect">
+                                  <p:stCondLst>
+                                    <p:cond delay="0"/>
+                                  </p:stCondLst>
+                                  <p:childTnLst>
+                                    <p:set>
+                                      <p:cBhvr>
+                                        <p:cTn id="12" dur="1" fill="hold">
+                                          <p:stCondLst>
+                                            <p:cond delay="0"/>
+                                          </p:stCondLst>
+                                        </p:cTn>
+                                        <p:tgtEl>
+                                          <p:spTgt spid="13"/>
+                                        </p:tgtEl>
+                                        <p:attrNameLst>
+                                          <p:attrName>style.visibility</p:attrName>
+                                        </p:attrNameLst>
+                                      </p:cBhvr>
+                                      <p:to>
+                                        <p:strVal val="visible"/>
+                                      </p:to>
+                                    </p:set>
+                                  </p:childTnLst>
+                                </p:cTn>
+                              </p:par>
+                            </p:childTnLst>
+                          </p:cTn>
+                        </p:par>
+                      </p:childTnLst>
+                    </p:cTn>
+                  </p:par>
+                </p:childTnLst>
+              </p:cTn>
+              <p:prevCondLst>
+                <p:cond evt="onPrev" delay="0">
+                  <p:tgtEl>
+                    <p:sldTgt/>
+                  </p:tgtEl>
+                </p:cond>
+              </p:prevCondLst>
+              <p:nextCondLst>
+                <p:cond evt="onNext" delay="0">
+                  <p:tgtEl>
+                    <p:sldTgt/>
+                  </p:tgtEl>
+                </p:cond>
+              </p:nextCondLst>
+            </p:seq>
+          </p:childTnLst>
+        </p:cTn>
+      </p:par>
+    </p:tnLst>
+  </p:timing>
 </p:sld>
 </file>
 
@@ -5152,6 +5968,13 @@
   <p:clrMapOvr>
     <a:masterClrMapping/>
   </p:clrMapOvr>
+  <p:timing>
+    <p:tnLst>
+      <p:par>
+        <p:cTn id="1" dur="indefinite" restart="never" nodeType="tmRoot"/>
+      </p:par>
+    </p:tnLst>
+  </p:timing>
 </p:sld>
 </file>
 
@@ -5187,7 +6010,7 @@
           <a:bodyPr/>
           <a:lstStyle/>
           <a:p>
-            <a:endParaRPr lang="en-GB"/>
+            <a:endParaRPr lang="en-GB" dirty="0"/>
           </a:p>
         </p:txBody>
       </p:sp>
@@ -5254,7 +6077,7 @@
           <a:bodyPr/>
           <a:lstStyle/>
           <a:p>
-            <a:endParaRPr lang="en-GB"/>
+            <a:endParaRPr lang="en-GB" dirty="0"/>
           </a:p>
         </p:txBody>
       </p:sp>
@@ -5322,12 +6145,14 @@
         </p:nvSpPr>
         <p:spPr/>
         <p:txBody>
-          <a:bodyPr/>
+          <a:bodyPr>
+            <a:noAutofit/>
+          </a:bodyPr>
           <a:lstStyle/>
           <a:p>
             <a:r>
               <a:rPr lang="en-NZ" dirty="0" smtClean="0"/>
-              <a:t>Changed from columns to row</a:t>
+              <a:t>Array was being accessed using a column-major logic</a:t>
             </a:r>
           </a:p>
           <a:p>
@@ -5336,7 +6161,25 @@
           <a:p>
             <a:r>
               <a:rPr lang="en-NZ" dirty="0" smtClean="0"/>
-              <a:t>Improved by 13.82%</a:t>
+              <a:t>Caused a lot of cache misses since C uses row-major logic</a:t>
+            </a:r>
+            <a:endParaRPr lang="en-NZ" dirty="0" smtClean="0"/>
+          </a:p>
+          <a:p>
+            <a:endParaRPr lang="en-NZ" dirty="0" smtClean="0"/>
+          </a:p>
+          <a:p>
+            <a:r>
+              <a:rPr lang="en-NZ" dirty="0" smtClean="0"/>
+              <a:t>Observed a time improvement of </a:t>
+            </a:r>
+            <a:r>
+              <a:rPr lang="en-NZ" dirty="0" smtClean="0"/>
+              <a:t>13.82</a:t>
+            </a:r>
+            <a:r>
+              <a:rPr lang="en-NZ" dirty="0" smtClean="0"/>
+              <a:t>% afterwards</a:t>
             </a:r>
             <a:endParaRPr lang="en-GB" dirty="0"/>
           </a:p>
@@ -5407,8 +6250,15 @@
           <a:p>
             <a:r>
               <a:rPr lang="en-NZ" dirty="0" smtClean="0"/>
-              <a:t>Daisy chaining</a:t>
-            </a:r>
+              <a:t>Daisy </a:t>
+            </a:r>
+            <a:r>
+              <a:rPr lang="en-NZ" dirty="0" smtClean="0"/>
+              <a:t>chaining</a:t>
+            </a:r>
+          </a:p>
+          <a:p>
+            <a:endParaRPr lang="en-NZ" dirty="0" smtClean="0"/>
           </a:p>
           <a:p>
             <a:r>
@@ -5417,6 +6267,13 @@
             </a:r>
           </a:p>
           <a:p>
+            <a:endParaRPr lang="en-NZ" dirty="0" smtClean="0"/>
+          </a:p>
+          <a:p>
+            <a:r>
+              <a:rPr lang="en-NZ" dirty="0" smtClean="0"/>
+              <a:t>Anything else?</a:t>
+            </a:r>
             <a:endParaRPr lang="en-GB" dirty="0"/>
           </a:p>
         </p:txBody>

--- a/documentation/Phase 3.pptx
+++ b/documentation/Phase 3.pptx
@@ -7,16 +7,15 @@
   <p:sldIdLst>
     <p:sldId id="256" r:id="rId2"/>
     <p:sldId id="267" r:id="rId3"/>
-    <p:sldId id="271" r:id="rId4"/>
-    <p:sldId id="258" r:id="rId5"/>
-    <p:sldId id="262" r:id="rId6"/>
+    <p:sldId id="258" r:id="rId4"/>
+    <p:sldId id="262" r:id="rId5"/>
+    <p:sldId id="271" r:id="rId6"/>
     <p:sldId id="263" r:id="rId7"/>
     <p:sldId id="270" r:id="rId8"/>
     <p:sldId id="264" r:id="rId9"/>
-    <p:sldId id="265" r:id="rId10"/>
-    <p:sldId id="266" r:id="rId11"/>
-    <p:sldId id="268" r:id="rId12"/>
-    <p:sldId id="269" r:id="rId13"/>
+    <p:sldId id="268" r:id="rId10"/>
+    <p:sldId id="265" r:id="rId11"/>
+    <p:sldId id="269" r:id="rId12"/>
   </p:sldIdLst>
   <p:sldSz cx="9144000" cy="6858000" type="screen4x3"/>
   <p:notesSz cx="6858000" cy="9144000"/>
@@ -115,6 +114,22 @@
       </a:defRPr>
     </a:lvl9pPr>
   </p:defaultTextStyle>
+  <p:extLst>
+    <p:ext uri="{EFAFB233-063F-42B5-8137-9DF3F51BA10A}">
+      <p15:sldGuideLst xmlns:p15="http://schemas.microsoft.com/office/powerpoint/2012/main">
+        <p15:guide id="1" orient="horz" pos="2160">
+          <p15:clr>
+            <a:srgbClr val="A4A3A4"/>
+          </p15:clr>
+        </p15:guide>
+        <p15:guide id="2" pos="2880">
+          <p15:clr>
+            <a:srgbClr val="A4A3A4"/>
+          </p15:clr>
+        </p15:guide>
+      </p15:sldGuideLst>
+    </p:ext>
+  </p:extLst>
 </p:presentation>
 </file>
 
@@ -744,7 +759,7 @@
             <a:fld id="{D65BCD19-D0A1-46D9-B99E-FC015B7B3E4E}" type="datetimeFigureOut">
               <a:rPr lang="en-US" smtClean="0"/>
               <a:pPr/>
-              <a:t>5/31/2018</a:t>
+              <a:t>6/1/2018</a:t>
             </a:fld>
             <a:endParaRPr lang="en-GB"/>
           </a:p>
@@ -942,7 +957,7 @@
             <a:fld id="{D65BCD19-D0A1-46D9-B99E-FC015B7B3E4E}" type="datetimeFigureOut">
               <a:rPr lang="en-US" smtClean="0"/>
               <a:pPr/>
-              <a:t>5/31/2018</a:t>
+              <a:t>6/1/2018</a:t>
             </a:fld>
             <a:endParaRPr lang="en-GB"/>
           </a:p>
@@ -1129,7 +1144,7 @@
             <a:fld id="{D65BCD19-D0A1-46D9-B99E-FC015B7B3E4E}" type="datetimeFigureOut">
               <a:rPr lang="en-US" smtClean="0"/>
               <a:pPr/>
-              <a:t>5/31/2018</a:t>
+              <a:t>6/1/2018</a:t>
             </a:fld>
             <a:endParaRPr lang="en-GB"/>
           </a:p>
@@ -1281,7 +1296,7 @@
             <a:fld id="{D65BCD19-D0A1-46D9-B99E-FC015B7B3E4E}" type="datetimeFigureOut">
               <a:rPr lang="en-US" smtClean="0"/>
               <a:pPr/>
-              <a:t>5/31/2018</a:t>
+              <a:t>6/1/2018</a:t>
             </a:fld>
             <a:endParaRPr lang="en-GB"/>
           </a:p>
@@ -1538,7 +1553,7 @@
             <a:fld id="{D65BCD19-D0A1-46D9-B99E-FC015B7B3E4E}" type="datetimeFigureOut">
               <a:rPr lang="en-US" smtClean="0"/>
               <a:pPr/>
-              <a:t>5/31/2018</a:t>
+              <a:t>6/1/2018</a:t>
             </a:fld>
             <a:endParaRPr lang="en-GB"/>
           </a:p>
@@ -1949,7 +1964,7 @@
             <a:fld id="{D65BCD19-D0A1-46D9-B99E-FC015B7B3E4E}" type="datetimeFigureOut">
               <a:rPr lang="en-US" smtClean="0"/>
               <a:pPr/>
-              <a:t>5/31/2018</a:t>
+              <a:t>6/1/2018</a:t>
             </a:fld>
             <a:endParaRPr lang="en-GB"/>
           </a:p>
@@ -2397,7 +2412,7 @@
             <a:fld id="{D65BCD19-D0A1-46D9-B99E-FC015B7B3E4E}" type="datetimeFigureOut">
               <a:rPr lang="en-US" smtClean="0"/>
               <a:pPr/>
-              <a:t>5/31/2018</a:t>
+              <a:t>6/1/2018</a:t>
             </a:fld>
             <a:endParaRPr lang="en-GB"/>
           </a:p>
@@ -2500,7 +2515,7 @@
             <a:fld id="{D65BCD19-D0A1-46D9-B99E-FC015B7B3E4E}" type="datetimeFigureOut">
               <a:rPr lang="en-US" smtClean="0"/>
               <a:pPr/>
-              <a:t>5/31/2018</a:t>
+              <a:t>6/1/2018</a:t>
             </a:fld>
             <a:endParaRPr lang="en-GB"/>
           </a:p>
@@ -2623,7 +2638,7 @@
             <a:fld id="{D65BCD19-D0A1-46D9-B99E-FC015B7B3E4E}" type="datetimeFigureOut">
               <a:rPr lang="en-US" smtClean="0"/>
               <a:pPr/>
-              <a:t>5/31/2018</a:t>
+              <a:t>6/1/2018</a:t>
             </a:fld>
             <a:endParaRPr lang="en-GB"/>
           </a:p>
@@ -2899,7 +2914,7 @@
             <a:fld id="{D65BCD19-D0A1-46D9-B99E-FC015B7B3E4E}" type="datetimeFigureOut">
               <a:rPr lang="en-US" smtClean="0"/>
               <a:pPr/>
-              <a:t>5/31/2018</a:t>
+              <a:t>6/1/2018</a:t>
             </a:fld>
             <a:endParaRPr lang="en-GB"/>
           </a:p>
@@ -3106,7 +3121,7 @@
             <a:fld id="{D65BCD19-D0A1-46D9-B99E-FC015B7B3E4E}" type="datetimeFigureOut">
               <a:rPr lang="en-US" smtClean="0"/>
               <a:pPr/>
-              <a:t>5/31/2018</a:t>
+              <a:t>6/1/2018</a:t>
             </a:fld>
             <a:endParaRPr lang="en-GB"/>
           </a:p>
@@ -4217,7 +4232,7 @@
             <a:fld id="{D65BCD19-D0A1-46D9-B99E-FC015B7B3E4E}" type="datetimeFigureOut">
               <a:rPr lang="en-US" smtClean="0"/>
               <a:pPr/>
-              <a:t>5/31/2018</a:t>
+              <a:t>6/1/2018</a:t>
             </a:fld>
             <a:endParaRPr lang="en-GB"/>
           </a:p>
@@ -4713,7 +4728,30 @@
           <a:p>
             <a:r>
               <a:rPr lang="en-NZ" dirty="0" smtClean="0"/>
-              <a:t>What to discuss?</a:t>
+              <a:t>Daisy chaining</a:t>
+            </a:r>
+          </a:p>
+          <a:p>
+            <a:endParaRPr lang="en-NZ" dirty="0" smtClean="0"/>
+          </a:p>
+          <a:p>
+            <a:r>
+              <a:rPr lang="en-NZ" dirty="0" err="1" smtClean="0"/>
+              <a:t>Mulithreaded</a:t>
+            </a:r>
+            <a:r>
+              <a:rPr lang="en-NZ" dirty="0" smtClean="0"/>
+              <a:t>, Dual-core</a:t>
+            </a:r>
+            <a:endParaRPr lang="en-NZ" dirty="0" smtClean="0"/>
+          </a:p>
+          <a:p>
+            <a:endParaRPr lang="en-NZ" dirty="0" smtClean="0"/>
+          </a:p>
+          <a:p>
+            <a:r>
+              <a:rPr lang="en-NZ" dirty="0" smtClean="0"/>
+              <a:t>Anything else?</a:t>
             </a:r>
             <a:endParaRPr lang="en-GB" dirty="0"/>
           </a:p>
@@ -4736,7 +4774,7 @@
           <a:p>
             <a:r>
               <a:rPr lang="en-NZ" dirty="0" smtClean="0"/>
-              <a:t>Discussion</a:t>
+              <a:t>Future Work</a:t>
             </a:r>
             <a:endParaRPr lang="en-GB" dirty="0"/>
           </a:p>
@@ -4784,105 +4822,28 @@
           <a:p>
             <a:r>
               <a:rPr lang="en-NZ" dirty="0" smtClean="0"/>
-              <a:t>*</a:t>
-            </a:r>
-            <a:r>
-              <a:rPr lang="en-NZ" b="1" i="1" dirty="0" smtClean="0"/>
-              <a:t>I need numbers here</a:t>
-            </a:r>
-            <a:r>
-              <a:rPr lang="en-NZ" dirty="0" smtClean="0"/>
-              <a:t>*</a:t>
-            </a:r>
-          </a:p>
-          <a:p>
-            <a:endParaRPr lang="en-NZ" dirty="0" smtClean="0"/>
-          </a:p>
-          <a:p>
-            <a:r>
-              <a:rPr lang="en-NZ" dirty="0" smtClean="0"/>
-              <a:t>Compare baseline solution with final </a:t>
-            </a:r>
-            <a:r>
-              <a:rPr lang="en-NZ" dirty="0" smtClean="0"/>
-              <a:t>solution</a:t>
-            </a:r>
-            <a:endParaRPr lang="en-NZ" dirty="0" smtClean="0"/>
-          </a:p>
-        </p:txBody>
-      </p:sp>
-      <p:sp>
-        <p:nvSpPr>
-          <p:cNvPr id="3" name="Title 2"/>
-          <p:cNvSpPr>
-            <a:spLocks noGrp="1"/>
-          </p:cNvSpPr>
-          <p:nvPr>
-            <p:ph type="title"/>
-          </p:nvPr>
-        </p:nvSpPr>
-        <p:spPr/>
-        <p:txBody>
-          <a:bodyPr/>
-          <a:lstStyle/>
-          <a:p>
-            <a:r>
-              <a:rPr lang="en-NZ" dirty="0" smtClean="0"/>
-              <a:t>Performance Improvements</a:t>
-            </a:r>
-            <a:endParaRPr lang="en-GB" dirty="0"/>
-          </a:p>
-        </p:txBody>
-      </p:sp>
-    </p:spTree>
-  </p:cSld>
-  <p:clrMapOvr>
-    <a:masterClrMapping/>
-  </p:clrMapOvr>
-</p:sld>
-</file>
-
-<file path=ppt/slides/slide12.xml><?xml version="1.0" encoding="utf-8"?>
-<p:sld xmlns:a="http://schemas.openxmlformats.org/drawingml/2006/main" xmlns:r="http://schemas.openxmlformats.org/officeDocument/2006/relationships" xmlns:p="http://schemas.openxmlformats.org/presentationml/2006/main">
-  <p:cSld>
-    <p:spTree>
-      <p:nvGrpSpPr>
-        <p:cNvPr id="1" name=""/>
-        <p:cNvGrpSpPr/>
-        <p:nvPr/>
-      </p:nvGrpSpPr>
-      <p:grpSpPr>
-        <a:xfrm>
-          <a:off x="0" y="0"/>
-          <a:ext cx="0" cy="0"/>
-          <a:chOff x="0" y="0"/>
-          <a:chExt cx="0" cy="0"/>
-        </a:xfrm>
-      </p:grpSpPr>
-      <p:sp>
-        <p:nvSpPr>
-          <p:cNvPr id="2" name="Content Placeholder 1"/>
-          <p:cNvSpPr>
-            <a:spLocks noGrp="1"/>
-          </p:cNvSpPr>
-          <p:nvPr>
-            <p:ph idx="1"/>
-          </p:nvPr>
-        </p:nvSpPr>
-        <p:spPr/>
-        <p:txBody>
-          <a:bodyPr/>
-          <a:lstStyle/>
-          <a:p>
-            <a:r>
-              <a:rPr lang="en-NZ" dirty="0" smtClean="0"/>
               <a:t>No Hitler references here </a:t>
             </a:r>
             <a:r>
               <a:rPr lang="en-NZ" dirty="0" err="1" smtClean="0"/>
               <a:t>plz</a:t>
             </a:r>
-            <a:endParaRPr lang="en-GB" dirty="0"/>
+            <a:endParaRPr lang="en-NZ" dirty="0" smtClean="0"/>
+          </a:p>
+          <a:p>
+            <a:r>
+              <a:rPr lang="en-NZ" dirty="0" smtClean="0"/>
+              <a:t>Gas </a:t>
+            </a:r>
+            <a:r>
+              <a:rPr lang="en-NZ" dirty="0" err="1" smtClean="0"/>
+              <a:t>ze</a:t>
+            </a:r>
+            <a:r>
+              <a:rPr lang="en-NZ" dirty="0" smtClean="0"/>
+              <a:t> juice</a:t>
+            </a:r>
+            <a:endParaRPr lang="en-NZ" dirty="0" smtClean="0"/>
           </a:p>
         </p:txBody>
       </p:sp>
@@ -4980,6 +4941,142 @@
           </a:p>
         </p:txBody>
       </p:sp>
+      <p:sp>
+        <p:nvSpPr>
+          <p:cNvPr id="2" name="TextBox 1"/>
+          <p:cNvSpPr txBox="1"/>
+          <p:nvPr/>
+        </p:nvSpPr>
+        <p:spPr>
+          <a:xfrm>
+            <a:off x="899592" y="4338033"/>
+            <a:ext cx="1512167" cy="923330"/>
+          </a:xfrm>
+          <a:prstGeom prst="rect">
+            <a:avLst/>
+          </a:prstGeom>
+          <a:noFill/>
+        </p:spPr>
+        <p:txBody>
+          <a:bodyPr wrap="square" rtlCol="0">
+            <a:spAutoFit/>
+          </a:bodyPr>
+          <a:lstStyle/>
+          <a:p>
+            <a:pPr algn="ctr"/>
+            <a:r>
+              <a:rPr lang="en-NZ" dirty="0" smtClean="0"/>
+              <a:t>Hardware </a:t>
+            </a:r>
+            <a:r>
+              <a:rPr lang="en-NZ" dirty="0" err="1" smtClean="0"/>
+              <a:t>Trivium</a:t>
+            </a:r>
+            <a:r>
+              <a:rPr lang="en-NZ" dirty="0" smtClean="0"/>
+              <a:t> Solution</a:t>
+            </a:r>
+          </a:p>
+        </p:txBody>
+      </p:sp>
+      <p:sp>
+        <p:nvSpPr>
+          <p:cNvPr id="5" name="TextBox 4"/>
+          <p:cNvSpPr txBox="1"/>
+          <p:nvPr/>
+        </p:nvSpPr>
+        <p:spPr>
+          <a:xfrm>
+            <a:off x="5580112" y="4338033"/>
+            <a:ext cx="1512167" cy="923330"/>
+          </a:xfrm>
+          <a:prstGeom prst="rect">
+            <a:avLst/>
+          </a:prstGeom>
+          <a:noFill/>
+        </p:spPr>
+        <p:txBody>
+          <a:bodyPr wrap="square" rtlCol="0">
+            <a:spAutoFit/>
+          </a:bodyPr>
+          <a:lstStyle/>
+          <a:p>
+            <a:pPr algn="ctr"/>
+            <a:r>
+              <a:rPr lang="en-NZ" dirty="0" err="1" smtClean="0"/>
+              <a:t>OpenCV</a:t>
+            </a:r>
+            <a:r>
+              <a:rPr lang="en-NZ" dirty="0" smtClean="0"/>
+              <a:t> Shape Detection</a:t>
+            </a:r>
+          </a:p>
+        </p:txBody>
+      </p:sp>
+      <p:sp>
+        <p:nvSpPr>
+          <p:cNvPr id="6" name="TextBox 5"/>
+          <p:cNvSpPr txBox="1"/>
+          <p:nvPr/>
+        </p:nvSpPr>
+        <p:spPr>
+          <a:xfrm>
+            <a:off x="3815917" y="4338033"/>
+            <a:ext cx="1512167" cy="923330"/>
+          </a:xfrm>
+          <a:prstGeom prst="rect">
+            <a:avLst/>
+          </a:prstGeom>
+          <a:noFill/>
+        </p:spPr>
+        <p:txBody>
+          <a:bodyPr wrap="square" rtlCol="0">
+            <a:spAutoFit/>
+          </a:bodyPr>
+          <a:lstStyle/>
+          <a:p>
+            <a:pPr algn="ctr"/>
+            <a:r>
+              <a:rPr lang="en-NZ" dirty="0" smtClean="0"/>
+              <a:t>Hardware Filtering Solution</a:t>
+            </a:r>
+          </a:p>
+        </p:txBody>
+      </p:sp>
+      <p:sp>
+        <p:nvSpPr>
+          <p:cNvPr id="7" name="TextBox 6"/>
+          <p:cNvSpPr txBox="1"/>
+          <p:nvPr/>
+        </p:nvSpPr>
+        <p:spPr>
+          <a:xfrm>
+            <a:off x="3815917" y="5305861"/>
+            <a:ext cx="1512167" cy="646331"/>
+          </a:xfrm>
+          <a:prstGeom prst="rect">
+            <a:avLst/>
+          </a:prstGeom>
+          <a:noFill/>
+        </p:spPr>
+        <p:txBody>
+          <a:bodyPr wrap="square" rtlCol="0">
+            <a:spAutoFit/>
+          </a:bodyPr>
+          <a:lstStyle/>
+          <a:p>
+            <a:pPr algn="ctr"/>
+            <a:r>
+              <a:rPr lang="en-NZ" dirty="0" err="1" smtClean="0"/>
+              <a:t>OpenCV</a:t>
+            </a:r>
+            <a:r>
+              <a:rPr lang="en-NZ" dirty="0" smtClean="0"/>
+              <a:t> Filtering</a:t>
+            </a:r>
+          </a:p>
+        </p:txBody>
+      </p:sp>
     </p:spTree>
   </p:cSld>
   <p:clrMapOvr>
@@ -5005,14 +5102,37 @@
           <a:chExt cx="0" cy="0"/>
         </a:xfrm>
       </p:grpSpPr>
-      <p:sp>
-        <p:nvSpPr>
-          <p:cNvPr id="2" name="Content Placeholder 1"/>
-          <p:cNvSpPr>
-            <a:spLocks noGrp="1"/>
-          </p:cNvSpPr>
+      <p:pic>
+        <p:nvPicPr>
+          <p:cNvPr id="4" name="Content Placeholder 3" descr="FilterOverview.png"/>
+          <p:cNvPicPr>
+            <a:picLocks noGrp="1" noChangeAspect="1"/>
+          </p:cNvPicPr>
           <p:nvPr>
             <p:ph idx="1"/>
+          </p:nvPr>
+        </p:nvPicPr>
+        <p:blipFill>
+          <a:blip r:embed="rId2"/>
+          <a:stretch>
+            <a:fillRect/>
+          </a:stretch>
+        </p:blipFill>
+        <p:spPr>
+          <a:xfrm>
+            <a:off x="2112467" y="2601213"/>
+            <a:ext cx="4919066" cy="2285811"/>
+          </a:xfrm>
+        </p:spPr>
+      </p:pic>
+      <p:sp>
+        <p:nvSpPr>
+          <p:cNvPr id="3" name="Title 2"/>
+          <p:cNvSpPr>
+            <a:spLocks noGrp="1"/>
+          </p:cNvSpPr>
+          <p:nvPr>
+            <p:ph type="title"/>
           </p:nvPr>
         </p:nvSpPr>
         <p:spPr/>
@@ -5020,6 +5140,201 @@
           <a:bodyPr/>
           <a:lstStyle/>
           <a:p>
+            <a:r>
+              <a:rPr lang="en-NZ" dirty="0" smtClean="0"/>
+              <a:t>Filtering</a:t>
+            </a:r>
+            <a:endParaRPr lang="en-GB" dirty="0"/>
+          </a:p>
+        </p:txBody>
+      </p:sp>
+      <p:sp>
+        <p:nvSpPr>
+          <p:cNvPr id="2" name="TextBox 1"/>
+          <p:cNvSpPr txBox="1"/>
+          <p:nvPr/>
+        </p:nvSpPr>
+        <p:spPr>
+          <a:xfrm>
+            <a:off x="3431303" y="1417638"/>
+            <a:ext cx="2281394" cy="461665"/>
+          </a:xfrm>
+          <a:prstGeom prst="rect">
+            <a:avLst/>
+          </a:prstGeom>
+          <a:noFill/>
+        </p:spPr>
+        <p:txBody>
+          <a:bodyPr wrap="none" rtlCol="0">
+            <a:spAutoFit/>
+          </a:bodyPr>
+          <a:lstStyle/>
+          <a:p>
+            <a:pPr algn="ctr"/>
+            <a:r>
+              <a:rPr lang="en-NZ" sz="2400" dirty="0" smtClean="0"/>
+              <a:t>807s -&gt; 465s</a:t>
+            </a:r>
+            <a:endParaRPr lang="en-NZ" sz="2400" dirty="0"/>
+          </a:p>
+        </p:txBody>
+      </p:sp>
+    </p:spTree>
+  </p:cSld>
+  <p:clrMapOvr>
+    <a:masterClrMapping/>
+  </p:clrMapOvr>
+  <p:timing>
+    <p:tnLst>
+      <p:par>
+        <p:cTn id="1" dur="indefinite" restart="never" nodeType="tmRoot"/>
+      </p:par>
+    </p:tnLst>
+  </p:timing>
+</p:sld>
+</file>
+
+<file path=ppt/slides/slide4.xml><?xml version="1.0" encoding="utf-8"?>
+<p:sld xmlns:a="http://schemas.openxmlformats.org/drawingml/2006/main" xmlns:r="http://schemas.openxmlformats.org/officeDocument/2006/relationships" xmlns:p="http://schemas.openxmlformats.org/presentationml/2006/main">
+  <p:cSld>
+    <p:spTree>
+      <p:nvGrpSpPr>
+        <p:cNvPr id="1" name=""/>
+        <p:cNvGrpSpPr/>
+        <p:nvPr/>
+      </p:nvGrpSpPr>
+      <p:grpSpPr>
+        <a:xfrm>
+          <a:off x="0" y="0"/>
+          <a:ext cx="0" cy="0"/>
+          <a:chOff x="0" y="0"/>
+          <a:chExt cx="0" cy="0"/>
+        </a:xfrm>
+      </p:grpSpPr>
+      <p:pic>
+        <p:nvPicPr>
+          <p:cNvPr id="4" name="Content Placeholder 3" descr="FilterInterface.png"/>
+          <p:cNvPicPr>
+            <a:picLocks noGrp="1" noChangeAspect="1"/>
+          </p:cNvPicPr>
+          <p:nvPr>
+            <p:ph idx="1"/>
+          </p:nvPr>
+        </p:nvPicPr>
+        <p:blipFill>
+          <a:blip r:embed="rId2"/>
+          <a:stretch>
+            <a:fillRect/>
+          </a:stretch>
+        </p:blipFill>
+        <p:spPr>
+          <a:xfrm>
+            <a:off x="899463" y="1507072"/>
+            <a:ext cx="7345073" cy="4474094"/>
+          </a:xfrm>
+        </p:spPr>
+      </p:pic>
+      <p:sp>
+        <p:nvSpPr>
+          <p:cNvPr id="3" name="Title 2"/>
+          <p:cNvSpPr>
+            <a:spLocks noGrp="1"/>
+          </p:cNvSpPr>
+          <p:nvPr>
+            <p:ph type="title"/>
+          </p:nvPr>
+        </p:nvSpPr>
+        <p:spPr/>
+        <p:txBody>
+          <a:bodyPr/>
+          <a:lstStyle/>
+          <a:p>
+            <a:r>
+              <a:rPr lang="en-NZ" dirty="0" smtClean="0"/>
+              <a:t>Hardware Pipelining</a:t>
+            </a:r>
+            <a:endParaRPr lang="en-GB" dirty="0"/>
+          </a:p>
+        </p:txBody>
+      </p:sp>
+      <p:sp>
+        <p:nvSpPr>
+          <p:cNvPr id="5" name="TextBox 4"/>
+          <p:cNvSpPr txBox="1"/>
+          <p:nvPr/>
+        </p:nvSpPr>
+        <p:spPr>
+          <a:xfrm>
+            <a:off x="6300192" y="615305"/>
+            <a:ext cx="2281394" cy="461665"/>
+          </a:xfrm>
+          <a:prstGeom prst="rect">
+            <a:avLst/>
+          </a:prstGeom>
+          <a:noFill/>
+        </p:spPr>
+        <p:txBody>
+          <a:bodyPr wrap="none" rtlCol="0">
+            <a:spAutoFit/>
+          </a:bodyPr>
+          <a:lstStyle/>
+          <a:p>
+            <a:pPr algn="ctr"/>
+            <a:r>
+              <a:rPr lang="en-NZ" sz="2400" dirty="0" smtClean="0"/>
+              <a:t>405s -&gt; 150s</a:t>
+            </a:r>
+            <a:endParaRPr lang="en-NZ" sz="2400" dirty="0"/>
+          </a:p>
+        </p:txBody>
+      </p:sp>
+    </p:spTree>
+  </p:cSld>
+  <p:clrMapOvr>
+    <a:masterClrMapping/>
+  </p:clrMapOvr>
+  <p:timing>
+    <p:tnLst>
+      <p:par>
+        <p:cTn id="1" dur="indefinite" restart="never" nodeType="tmRoot"/>
+      </p:par>
+    </p:tnLst>
+  </p:timing>
+</p:sld>
+</file>
+
+<file path=ppt/slides/slide5.xml><?xml version="1.0" encoding="utf-8"?>
+<p:sld xmlns:a="http://schemas.openxmlformats.org/drawingml/2006/main" xmlns:r="http://schemas.openxmlformats.org/officeDocument/2006/relationships" xmlns:p="http://schemas.openxmlformats.org/presentationml/2006/main">
+  <p:cSld>
+    <p:spTree>
+      <p:nvGrpSpPr>
+        <p:cNvPr id="1" name=""/>
+        <p:cNvGrpSpPr/>
+        <p:nvPr/>
+      </p:nvGrpSpPr>
+      <p:grpSpPr>
+        <a:xfrm>
+          <a:off x="0" y="0"/>
+          <a:ext cx="0" cy="0"/>
+          <a:chOff x="0" y="0"/>
+          <a:chExt cx="0" cy="0"/>
+        </a:xfrm>
+      </p:grpSpPr>
+      <p:sp>
+        <p:nvSpPr>
+          <p:cNvPr id="2" name="Content Placeholder 1"/>
+          <p:cNvSpPr>
+            <a:spLocks noGrp="1"/>
+          </p:cNvSpPr>
+          <p:nvPr>
+            <p:ph idx="1"/>
+          </p:nvPr>
+        </p:nvSpPr>
+        <p:spPr/>
+        <p:txBody>
+          <a:bodyPr/>
+          <a:lstStyle/>
+          <a:p>
             <a:endParaRPr lang="en-NZ" dirty="0" smtClean="0"/>
           </a:p>
           <a:p>
@@ -5043,13 +5358,8 @@
           <a:p>
             <a:r>
               <a:rPr lang="en-NZ" dirty="0" smtClean="0"/>
-              <a:t>Last 5 bits is the number of the </a:t>
-            </a:r>
-            <a:r>
-              <a:rPr lang="en-NZ" dirty="0" smtClean="0"/>
-              <a:t>packet</a:t>
-            </a:r>
-            <a:endParaRPr lang="en-NZ" dirty="0" smtClean="0"/>
+              <a:t>Last 5 bits is the number of the packet</a:t>
+            </a:r>
           </a:p>
         </p:txBody>
       </p:sp>
@@ -5543,11 +5853,7 @@
                       <a:pPr algn="ctr"/>
                       <a:r>
                         <a:rPr lang="en-NZ" dirty="0" smtClean="0"/>
-                        <a:t>Gaussian</a:t>
-                      </a:r>
-                      <a:r>
-                        <a:rPr lang="en-NZ" dirty="0" smtClean="0"/>
-                        <a:t> filter</a:t>
+                        <a:t>Gaussian filter</a:t>
                       </a:r>
                       <a:endParaRPr lang="en-GB" dirty="0"/>
                     </a:p>
@@ -5579,11 +5885,7 @@
                       <a:pPr algn="ctr"/>
                       <a:r>
                         <a:rPr lang="en-NZ" dirty="0" smtClean="0"/>
-                        <a:t>Identity</a:t>
-                      </a:r>
-                      <a:r>
-                        <a:rPr lang="en-NZ" dirty="0" smtClean="0"/>
-                        <a:t> filter</a:t>
+                        <a:t>Identity filter</a:t>
                       </a:r>
                       <a:endParaRPr lang="en-GB" dirty="0"/>
                     </a:p>
@@ -5615,11 +5917,7 @@
                       <a:pPr algn="ctr"/>
                       <a:r>
                         <a:rPr lang="en-NZ" dirty="0" smtClean="0"/>
-                        <a:t>Median</a:t>
-                      </a:r>
-                      <a:r>
-                        <a:rPr lang="en-NZ" dirty="0" smtClean="0"/>
-                        <a:t> filter</a:t>
+                        <a:t>Median filter</a:t>
                       </a:r>
                       <a:endParaRPr lang="en-GB" dirty="0"/>
                     </a:p>
@@ -5651,11 +5949,7 @@
                       <a:pPr algn="ctr"/>
                       <a:r>
                         <a:rPr lang="en-NZ" dirty="0" smtClean="0"/>
-                        <a:t>Sobel</a:t>
-                      </a:r>
-                      <a:r>
-                        <a:rPr lang="en-NZ" dirty="0" smtClean="0"/>
-                        <a:t> filter</a:t>
+                        <a:t>Sobel filter</a:t>
                       </a:r>
                       <a:endParaRPr lang="en-GB" dirty="0"/>
                     </a:p>
@@ -5822,162 +6116,6 @@
 </p:sld>
 </file>
 
-<file path=ppt/slides/slide4.xml><?xml version="1.0" encoding="utf-8"?>
-<p:sld xmlns:a="http://schemas.openxmlformats.org/drawingml/2006/main" xmlns:r="http://schemas.openxmlformats.org/officeDocument/2006/relationships" xmlns:p="http://schemas.openxmlformats.org/presentationml/2006/main">
-  <p:cSld>
-    <p:spTree>
-      <p:nvGrpSpPr>
-        <p:cNvPr id="1" name=""/>
-        <p:cNvGrpSpPr/>
-        <p:nvPr/>
-      </p:nvGrpSpPr>
-      <p:grpSpPr>
-        <a:xfrm>
-          <a:off x="0" y="0"/>
-          <a:ext cx="0" cy="0"/>
-          <a:chOff x="0" y="0"/>
-          <a:chExt cx="0" cy="0"/>
-        </a:xfrm>
-      </p:grpSpPr>
-      <p:pic>
-        <p:nvPicPr>
-          <p:cNvPr id="4" name="Content Placeholder 3" descr="FilterOverview.png"/>
-          <p:cNvPicPr>
-            <a:picLocks noGrp="1" noChangeAspect="1"/>
-          </p:cNvPicPr>
-          <p:nvPr>
-            <p:ph idx="1"/>
-          </p:nvPr>
-        </p:nvPicPr>
-        <p:blipFill>
-          <a:blip r:embed="rId2"/>
-          <a:stretch>
-            <a:fillRect/>
-          </a:stretch>
-        </p:blipFill>
-        <p:spPr>
-          <a:xfrm>
-            <a:off x="2112467" y="2601213"/>
-            <a:ext cx="4919066" cy="2285811"/>
-          </a:xfrm>
-        </p:spPr>
-      </p:pic>
-      <p:sp>
-        <p:nvSpPr>
-          <p:cNvPr id="3" name="Title 2"/>
-          <p:cNvSpPr>
-            <a:spLocks noGrp="1"/>
-          </p:cNvSpPr>
-          <p:nvPr>
-            <p:ph type="title"/>
-          </p:nvPr>
-        </p:nvSpPr>
-        <p:spPr/>
-        <p:txBody>
-          <a:bodyPr/>
-          <a:lstStyle/>
-          <a:p>
-            <a:r>
-              <a:rPr lang="en-NZ" dirty="0" smtClean="0"/>
-              <a:t>Filtering</a:t>
-            </a:r>
-            <a:endParaRPr lang="en-GB" dirty="0"/>
-          </a:p>
-        </p:txBody>
-      </p:sp>
-    </p:spTree>
-  </p:cSld>
-  <p:clrMapOvr>
-    <a:masterClrMapping/>
-  </p:clrMapOvr>
-  <p:timing>
-    <p:tnLst>
-      <p:par>
-        <p:cTn id="1" dur="indefinite" restart="never" nodeType="tmRoot"/>
-      </p:par>
-    </p:tnLst>
-  </p:timing>
-</p:sld>
-</file>
-
-<file path=ppt/slides/slide5.xml><?xml version="1.0" encoding="utf-8"?>
-<p:sld xmlns:a="http://schemas.openxmlformats.org/drawingml/2006/main" xmlns:r="http://schemas.openxmlformats.org/officeDocument/2006/relationships" xmlns:p="http://schemas.openxmlformats.org/presentationml/2006/main">
-  <p:cSld>
-    <p:spTree>
-      <p:nvGrpSpPr>
-        <p:cNvPr id="1" name=""/>
-        <p:cNvGrpSpPr/>
-        <p:nvPr/>
-      </p:nvGrpSpPr>
-      <p:grpSpPr>
-        <a:xfrm>
-          <a:off x="0" y="0"/>
-          <a:ext cx="0" cy="0"/>
-          <a:chOff x="0" y="0"/>
-          <a:chExt cx="0" cy="0"/>
-        </a:xfrm>
-      </p:grpSpPr>
-      <p:pic>
-        <p:nvPicPr>
-          <p:cNvPr id="4" name="Content Placeholder 3" descr="FilterInterface.png"/>
-          <p:cNvPicPr>
-            <a:picLocks noGrp="1" noChangeAspect="1"/>
-          </p:cNvPicPr>
-          <p:nvPr>
-            <p:ph idx="1"/>
-          </p:nvPr>
-        </p:nvPicPr>
-        <p:blipFill>
-          <a:blip r:embed="rId2"/>
-          <a:stretch>
-            <a:fillRect/>
-          </a:stretch>
-        </p:blipFill>
-        <p:spPr>
-          <a:xfrm>
-            <a:off x="899463" y="1507072"/>
-            <a:ext cx="7345073" cy="4474094"/>
-          </a:xfrm>
-        </p:spPr>
-      </p:pic>
-      <p:sp>
-        <p:nvSpPr>
-          <p:cNvPr id="3" name="Title 2"/>
-          <p:cNvSpPr>
-            <a:spLocks noGrp="1"/>
-          </p:cNvSpPr>
-          <p:nvPr>
-            <p:ph type="title"/>
-          </p:nvPr>
-        </p:nvSpPr>
-        <p:spPr/>
-        <p:txBody>
-          <a:bodyPr/>
-          <a:lstStyle/>
-          <a:p>
-            <a:r>
-              <a:rPr lang="en-NZ" dirty="0" smtClean="0"/>
-              <a:t>Hardware Pipelining</a:t>
-            </a:r>
-            <a:endParaRPr lang="en-GB" dirty="0"/>
-          </a:p>
-        </p:txBody>
-      </p:sp>
-    </p:spTree>
-  </p:cSld>
-  <p:clrMapOvr>
-    <a:masterClrMapping/>
-  </p:clrMapOvr>
-  <p:timing>
-    <p:tnLst>
-      <p:par>
-        <p:cTn id="1" dur="indefinite" restart="never" nodeType="tmRoot"/>
-      </p:par>
-    </p:tnLst>
-  </p:timing>
-</p:sld>
-</file>
-
 <file path=ppt/slides/slide6.xml><?xml version="1.0" encoding="utf-8"?>
 <p:sld xmlns:a="http://schemas.openxmlformats.org/drawingml/2006/main" xmlns:r="http://schemas.openxmlformats.org/officeDocument/2006/relationships" xmlns:p="http://schemas.openxmlformats.org/presentationml/2006/main">
   <p:cSld>
@@ -6010,6 +6148,41 @@
           <a:bodyPr/>
           <a:lstStyle/>
           <a:p>
+            <a:r>
+              <a:rPr lang="en-GB" dirty="0" err="1" smtClean="0"/>
+              <a:t>OpenCV</a:t>
+            </a:r>
+            <a:r>
+              <a:rPr lang="en-GB" dirty="0" smtClean="0"/>
+              <a:t> libraries for C++</a:t>
+            </a:r>
+          </a:p>
+          <a:p>
+            <a:endParaRPr lang="en-GB" dirty="0" smtClean="0"/>
+          </a:p>
+          <a:p>
+            <a:r>
+              <a:rPr lang="en-GB" dirty="0" smtClean="0"/>
+              <a:t>Modified software to compile using G++</a:t>
+            </a:r>
+          </a:p>
+          <a:p>
+            <a:endParaRPr lang="en-GB" dirty="0"/>
+          </a:p>
+          <a:p>
+            <a:r>
+              <a:rPr lang="en-GB" dirty="0" smtClean="0"/>
+              <a:t>Shape detection</a:t>
+            </a:r>
+          </a:p>
+          <a:p>
+            <a:endParaRPr lang="en-GB" dirty="0"/>
+          </a:p>
+          <a:p>
+            <a:r>
+              <a:rPr lang="en-GB" dirty="0" smtClean="0"/>
+              <a:t>Detects edges, determines if edges define a shape, determines what shape</a:t>
+            </a:r>
             <a:endParaRPr lang="en-GB" dirty="0"/>
           </a:p>
         </p:txBody>
@@ -6077,6 +6250,41 @@
           <a:bodyPr/>
           <a:lstStyle/>
           <a:p>
+            <a:r>
+              <a:rPr lang="en-GB" dirty="0" err="1" smtClean="0"/>
+              <a:t>OpenCV</a:t>
+            </a:r>
+            <a:r>
+              <a:rPr lang="en-GB" dirty="0" smtClean="0"/>
+              <a:t> libraries contain filtering functions</a:t>
+            </a:r>
+          </a:p>
+          <a:p>
+            <a:endParaRPr lang="en-GB" dirty="0"/>
+          </a:p>
+          <a:p>
+            <a:r>
+              <a:rPr lang="en-GB" dirty="0" smtClean="0"/>
+              <a:t>These functions are far faster than our hardware implementations </a:t>
+            </a:r>
+          </a:p>
+          <a:p>
+            <a:endParaRPr lang="en-GB" dirty="0"/>
+          </a:p>
+          <a:p>
+            <a:r>
+              <a:rPr lang="en-GB" dirty="0" smtClean="0"/>
+              <a:t>150s -&gt; 0.13s</a:t>
+            </a:r>
+          </a:p>
+          <a:p>
+            <a:endParaRPr lang="en-GB" dirty="0"/>
+          </a:p>
+          <a:p>
+            <a:r>
+              <a:rPr lang="en-GB" dirty="0" smtClean="0"/>
+              <a:t>Sobel filtering twice in a row gives a blank image</a:t>
+            </a:r>
             <a:endParaRPr lang="en-GB" dirty="0"/>
           </a:p>
         </p:txBody>
@@ -6102,7 +6310,11 @@
             </a:r>
             <a:r>
               <a:rPr lang="en-NZ" dirty="0" smtClean="0"/>
-              <a:t> filtering</a:t>
+              <a:t> </a:t>
+            </a:r>
+            <a:r>
+              <a:rPr lang="en-NZ" dirty="0" smtClean="0"/>
+              <a:t>Filtering</a:t>
             </a:r>
             <a:endParaRPr lang="en-GB" dirty="0"/>
           </a:p>
@@ -6163,23 +6375,14 @@
               <a:rPr lang="en-NZ" dirty="0" smtClean="0"/>
               <a:t>Caused a lot of cache misses since C uses row-major logic</a:t>
             </a:r>
+          </a:p>
+          <a:p>
             <a:endParaRPr lang="en-NZ" dirty="0" smtClean="0"/>
           </a:p>
           <a:p>
-            <a:endParaRPr lang="en-NZ" dirty="0" smtClean="0"/>
-          </a:p>
-          <a:p>
             <a:r>
               <a:rPr lang="en-NZ" dirty="0" smtClean="0"/>
-              <a:t>Observed a time improvement of </a:t>
-            </a:r>
-            <a:r>
-              <a:rPr lang="en-NZ" dirty="0" smtClean="0"/>
-              <a:t>13.82</a:t>
-            </a:r>
-            <a:r>
-              <a:rPr lang="en-NZ" dirty="0" smtClean="0"/>
-              <a:t>% afterwards</a:t>
+              <a:t>Observed a time improvement of 13.82% afterwards</a:t>
             </a:r>
             <a:endParaRPr lang="en-GB" dirty="0"/>
           </a:p>
@@ -6245,57 +6448,106 @@
         </p:nvSpPr>
         <p:spPr/>
         <p:txBody>
+          <a:bodyPr>
+            <a:normAutofit/>
+          </a:bodyPr>
+          <a:lstStyle/>
+          <a:p>
+            <a:r>
+              <a:rPr lang="en-NZ" dirty="0" smtClean="0"/>
+              <a:t>Filtering Stage</a:t>
+            </a:r>
+          </a:p>
+          <a:p>
+            <a:pPr lvl="1"/>
+            <a:r>
+              <a:rPr lang="en-NZ" dirty="0" smtClean="0"/>
+              <a:t>807s -&gt; 465s -&gt; 150s -&gt; 0.13s</a:t>
+            </a:r>
+          </a:p>
+          <a:p>
+            <a:pPr marL="109728" indent="0">
+              <a:buNone/>
+            </a:pPr>
+            <a:endParaRPr lang="en-NZ" dirty="0" smtClean="0"/>
+          </a:p>
+          <a:p>
+            <a:r>
+              <a:rPr lang="en-NZ" dirty="0" smtClean="0"/>
+              <a:t>VGA Output Stage</a:t>
+            </a:r>
+          </a:p>
+          <a:p>
+            <a:pPr lvl="1"/>
+            <a:r>
+              <a:rPr lang="en-NZ" dirty="0" smtClean="0"/>
+              <a:t>100s -&gt; 87s</a:t>
+            </a:r>
+            <a:endParaRPr lang="en-NZ" dirty="0" smtClean="0"/>
+          </a:p>
+          <a:p>
+            <a:endParaRPr lang="en-NZ" dirty="0"/>
+          </a:p>
+          <a:p>
+            <a:r>
+              <a:rPr lang="en-NZ" dirty="0" smtClean="0"/>
+              <a:t>Total Run Time</a:t>
+            </a:r>
+          </a:p>
+          <a:p>
+            <a:pPr lvl="1"/>
+            <a:r>
+              <a:rPr lang="en-NZ" dirty="0" smtClean="0"/>
+              <a:t>904s (1 FPS) -&gt; 48s (19 FPS)</a:t>
+            </a:r>
+          </a:p>
+          <a:p>
+            <a:pPr marL="109728" indent="0">
+              <a:buNone/>
+            </a:pPr>
+            <a:endParaRPr lang="en-NZ" dirty="0"/>
+          </a:p>
+          <a:p>
+            <a:r>
+              <a:rPr lang="en-NZ" dirty="0" smtClean="0"/>
+              <a:t>All measurements via </a:t>
+            </a:r>
+            <a:r>
+              <a:rPr lang="en-NZ" dirty="0" err="1" smtClean="0"/>
+              <a:t>gprof</a:t>
+            </a:r>
+            <a:endParaRPr lang="en-NZ" dirty="0"/>
+          </a:p>
+          <a:p>
+            <a:pPr marL="393192" lvl="1" indent="0">
+              <a:buNone/>
+            </a:pPr>
+            <a:endParaRPr lang="en-NZ" dirty="0"/>
+          </a:p>
+          <a:p>
+            <a:pPr lvl="1"/>
+            <a:endParaRPr lang="en-NZ" dirty="0"/>
+          </a:p>
+        </p:txBody>
+      </p:sp>
+      <p:sp>
+        <p:nvSpPr>
+          <p:cNvPr id="3" name="Title 2"/>
+          <p:cNvSpPr>
+            <a:spLocks noGrp="1"/>
+          </p:cNvSpPr>
+          <p:nvPr>
+            <p:ph type="title"/>
+          </p:nvPr>
+        </p:nvSpPr>
+        <p:spPr/>
+        <p:txBody>
           <a:bodyPr/>
           <a:lstStyle/>
           <a:p>
             <a:r>
               <a:rPr lang="en-NZ" dirty="0" smtClean="0"/>
-              <a:t>Daisy </a:t>
-            </a:r>
-            <a:r>
-              <a:rPr lang="en-NZ" dirty="0" smtClean="0"/>
-              <a:t>chaining</a:t>
-            </a:r>
-          </a:p>
-          <a:p>
-            <a:endParaRPr lang="en-NZ" dirty="0" smtClean="0"/>
-          </a:p>
-          <a:p>
-            <a:r>
-              <a:rPr lang="en-NZ" dirty="0" smtClean="0"/>
-              <a:t>Dual-core</a:t>
-            </a:r>
-          </a:p>
-          <a:p>
-            <a:endParaRPr lang="en-NZ" dirty="0" smtClean="0"/>
-          </a:p>
-          <a:p>
-            <a:r>
-              <a:rPr lang="en-NZ" dirty="0" smtClean="0"/>
-              <a:t>Anything else?</a:t>
-            </a:r>
-            <a:endParaRPr lang="en-GB" dirty="0"/>
-          </a:p>
-        </p:txBody>
-      </p:sp>
-      <p:sp>
-        <p:nvSpPr>
-          <p:cNvPr id="3" name="Title 2"/>
-          <p:cNvSpPr>
-            <a:spLocks noGrp="1"/>
-          </p:cNvSpPr>
-          <p:nvPr>
-            <p:ph type="title"/>
-          </p:nvPr>
-        </p:nvSpPr>
-        <p:spPr/>
-        <p:txBody>
-          <a:bodyPr/>
-          <a:lstStyle/>
-          <a:p>
-            <a:r>
-              <a:rPr lang="en-NZ" dirty="0" smtClean="0"/>
-              <a:t>Future Work</a:t>
+              <a:t>Performance Improvements</a:t>
             </a:r>
             <a:endParaRPr lang="en-GB" dirty="0"/>
           </a:p>

--- a/documentation/Phase 3.pptx
+++ b/documentation/Phase 3.pptx
@@ -15,7 +15,6 @@
     <p:sldId id="264" r:id="rId9"/>
     <p:sldId id="268" r:id="rId10"/>
     <p:sldId id="265" r:id="rId11"/>
-    <p:sldId id="269" r:id="rId12"/>
   </p:sldIdLst>
   <p:sldSz cx="9144000" cy="6858000" type="screen4x3"/>
   <p:notesSz cx="6858000" cy="9144000"/>
@@ -116,7 +115,7 @@
   </p:defaultTextStyle>
   <p:extLst>
     <p:ext uri="{EFAFB233-063F-42B5-8137-9DF3F51BA10A}">
-      <p15:sldGuideLst xmlns:p15="http://schemas.microsoft.com/office/powerpoint/2012/main">
+      <p15:sldGuideLst xmlns:p15="http://schemas.microsoft.com/office/powerpoint/2012/main" xmlns="">
         <p15:guide id="1" orient="horz" pos="2160">
           <p15:clr>
             <a:srgbClr val="A4A3A4"/>
@@ -4691,6 +4690,13 @@
   <p:clrMapOvr>
     <a:masterClrMapping/>
   </p:clrMapOvr>
+  <p:timing>
+    <p:tnLst>
+      <p:par>
+        <p:cTn id="1" dur="indefinite" restart="never" nodeType="tmRoot"/>
+      </p:par>
+    </p:tnLst>
+  </p:timing>
 </p:sld>
 </file>
 
@@ -4728,7 +4734,11 @@
           <a:p>
             <a:r>
               <a:rPr lang="en-NZ" dirty="0" smtClean="0"/>
-              <a:t>Daisy chaining</a:t>
+              <a:t>Hardware filter daisy </a:t>
+            </a:r>
+            <a:r>
+              <a:rPr lang="en-NZ" dirty="0" smtClean="0"/>
+              <a:t>chaining</a:t>
             </a:r>
           </a:p>
           <a:p>
@@ -4736,12 +4746,8 @@
           </a:p>
           <a:p>
             <a:r>
-              <a:rPr lang="en-NZ" dirty="0" err="1" smtClean="0"/>
-              <a:t>Mulithreaded</a:t>
-            </a:r>
-            <a:r>
               <a:rPr lang="en-NZ" dirty="0" smtClean="0"/>
-              <a:t>, Dual-core</a:t>
+              <a:t>Multithreaded dual-core</a:t>
             </a:r>
             <a:endParaRPr lang="en-NZ" dirty="0" smtClean="0"/>
           </a:p>
@@ -4751,9 +4757,18 @@
           <a:p>
             <a:r>
               <a:rPr lang="en-NZ" dirty="0" smtClean="0"/>
-              <a:t>Anything else?</a:t>
-            </a:r>
-            <a:endParaRPr lang="en-GB" dirty="0"/>
+              <a:t>24 bit colour</a:t>
+            </a:r>
+          </a:p>
+          <a:p>
+            <a:endParaRPr lang="en-NZ" dirty="0" smtClean="0"/>
+          </a:p>
+          <a:p>
+            <a:r>
+              <a:rPr lang="en-NZ" dirty="0" smtClean="0"/>
+              <a:t>Luminance</a:t>
+            </a:r>
+            <a:endParaRPr lang="en-NZ" dirty="0" smtClean="0"/>
           </a:p>
         </p:txBody>
       </p:sp>
@@ -4785,96 +4800,13 @@
   <p:clrMapOvr>
     <a:masterClrMapping/>
   </p:clrMapOvr>
-</p:sld>
-</file>
-
-<file path=ppt/slides/slide11.xml><?xml version="1.0" encoding="utf-8"?>
-<p:sld xmlns:a="http://schemas.openxmlformats.org/drawingml/2006/main" xmlns:r="http://schemas.openxmlformats.org/officeDocument/2006/relationships" xmlns:p="http://schemas.openxmlformats.org/presentationml/2006/main">
-  <p:cSld>
-    <p:spTree>
-      <p:nvGrpSpPr>
-        <p:cNvPr id="1" name=""/>
-        <p:cNvGrpSpPr/>
-        <p:nvPr/>
-      </p:nvGrpSpPr>
-      <p:grpSpPr>
-        <a:xfrm>
-          <a:off x="0" y="0"/>
-          <a:ext cx="0" cy="0"/>
-          <a:chOff x="0" y="0"/>
-          <a:chExt cx="0" cy="0"/>
-        </a:xfrm>
-      </p:grpSpPr>
-      <p:sp>
-        <p:nvSpPr>
-          <p:cNvPr id="2" name="Content Placeholder 1"/>
-          <p:cNvSpPr>
-            <a:spLocks noGrp="1"/>
-          </p:cNvSpPr>
-          <p:nvPr>
-            <p:ph idx="1"/>
-          </p:nvPr>
-        </p:nvSpPr>
-        <p:spPr/>
-        <p:txBody>
-          <a:bodyPr/>
-          <a:lstStyle/>
-          <a:p>
-            <a:r>
-              <a:rPr lang="en-NZ" dirty="0" smtClean="0"/>
-              <a:t>No Hitler references here </a:t>
-            </a:r>
-            <a:r>
-              <a:rPr lang="en-NZ" dirty="0" err="1" smtClean="0"/>
-              <a:t>plz</a:t>
-            </a:r>
-            <a:endParaRPr lang="en-NZ" dirty="0" smtClean="0"/>
-          </a:p>
-          <a:p>
-            <a:r>
-              <a:rPr lang="en-NZ" dirty="0" smtClean="0"/>
-              <a:t>Gas </a:t>
-            </a:r>
-            <a:r>
-              <a:rPr lang="en-NZ" dirty="0" err="1" smtClean="0"/>
-              <a:t>ze</a:t>
-            </a:r>
-            <a:r>
-              <a:rPr lang="en-NZ" dirty="0" smtClean="0"/>
-              <a:t> juice</a:t>
-            </a:r>
-            <a:endParaRPr lang="en-NZ" dirty="0" smtClean="0"/>
-          </a:p>
-        </p:txBody>
-      </p:sp>
-      <p:sp>
-        <p:nvSpPr>
-          <p:cNvPr id="3" name="Title 2"/>
-          <p:cNvSpPr>
-            <a:spLocks noGrp="1"/>
-          </p:cNvSpPr>
-          <p:nvPr>
-            <p:ph type="title"/>
-          </p:nvPr>
-        </p:nvSpPr>
-        <p:spPr/>
-        <p:txBody>
-          <a:bodyPr/>
-          <a:lstStyle/>
-          <a:p>
-            <a:r>
-              <a:rPr lang="en-NZ" dirty="0" smtClean="0"/>
-              <a:t>Final Solution</a:t>
-            </a:r>
-            <a:endParaRPr lang="en-GB" dirty="0"/>
-          </a:p>
-        </p:txBody>
-      </p:sp>
-    </p:spTree>
-  </p:cSld>
-  <p:clrMapOvr>
-    <a:masterClrMapping/>
-  </p:clrMapOvr>
+  <p:timing>
+    <p:tnLst>
+      <p:par>
+        <p:cTn id="1" dur="indefinite" restart="never" nodeType="tmRoot"/>
+      </p:par>
+    </p:tnLst>
+  </p:timing>
 </p:sld>
 </file>
 
@@ -5082,6 +5014,13 @@
   <p:clrMapOvr>
     <a:masterClrMapping/>
   </p:clrMapOvr>
+  <p:timing>
+    <p:tnLst>
+      <p:par>
+        <p:cTn id="1" dur="indefinite" restart="never" nodeType="tmRoot"/>
+      </p:par>
+    </p:tnLst>
+  </p:timing>
 </p:sld>
 </file>
 
@@ -5187,9 +5126,80 @@
   <p:timing>
     <p:tnLst>
       <p:par>
-        <p:cTn id="1" dur="indefinite" restart="never" nodeType="tmRoot"/>
+        <p:cTn id="1" dur="indefinite" restart="never" nodeType="tmRoot">
+          <p:childTnLst>
+            <p:seq concurrent="1" nextAc="seek">
+              <p:cTn id="2" dur="indefinite" nodeType="mainSeq">
+                <p:childTnLst>
+                  <p:par>
+                    <p:cTn id="3" fill="hold">
+                      <p:stCondLst>
+                        <p:cond delay="indefinite"/>
+                      </p:stCondLst>
+                      <p:childTnLst>
+                        <p:par>
+                          <p:cTn id="4" fill="hold">
+                            <p:stCondLst>
+                              <p:cond delay="0"/>
+                            </p:stCondLst>
+                            <p:childTnLst>
+                              <p:par>
+                                <p:cTn id="5" presetID="1" presetClass="entr" presetSubtype="0" fill="hold" grpId="0" nodeType="clickEffect">
+                                  <p:stCondLst>
+                                    <p:cond delay="0"/>
+                                  </p:stCondLst>
+                                  <p:childTnLst>
+                                    <p:set>
+                                      <p:cBhvr>
+                                        <p:cTn id="6" dur="1" fill="hold">
+                                          <p:stCondLst>
+                                            <p:cond delay="0"/>
+                                          </p:stCondLst>
+                                        </p:cTn>
+                                        <p:tgtEl>
+                                          <p:spTgt spid="2"/>
+                                        </p:tgtEl>
+                                        <p:attrNameLst>
+                                          <p:attrName>style.visibility</p:attrName>
+                                        </p:attrNameLst>
+                                      </p:cBhvr>
+                                      <p:to>
+                                        <p:strVal val="visible"/>
+                                      </p:to>
+                                    </p:set>
+                                  </p:childTnLst>
+                                </p:cTn>
+                              </p:par>
+                            </p:childTnLst>
+                          </p:cTn>
+                        </p:par>
+                      </p:childTnLst>
+                    </p:cTn>
+                  </p:par>
+                </p:childTnLst>
+              </p:cTn>
+              <p:prevCondLst>
+                <p:cond evt="onPrev" delay="0">
+                  <p:tgtEl>
+                    <p:sldTgt/>
+                  </p:tgtEl>
+                </p:cond>
+              </p:prevCondLst>
+              <p:nextCondLst>
+                <p:cond evt="onNext" delay="0">
+                  <p:tgtEl>
+                    <p:sldTgt/>
+                  </p:tgtEl>
+                </p:cond>
+              </p:nextCondLst>
+            </p:seq>
+          </p:childTnLst>
+        </p:cTn>
       </p:par>
     </p:tnLst>
+    <p:bldLst>
+      <p:bldP spid="2" grpId="0"/>
+    </p:bldLst>
   </p:timing>
 </p:sld>
 </file>
@@ -5282,7 +5292,11 @@
             <a:pPr algn="ctr"/>
             <a:r>
               <a:rPr lang="en-NZ" sz="2400" dirty="0" smtClean="0"/>
-              <a:t>405s -&gt; 150s</a:t>
+              <a:t>465s </a:t>
+            </a:r>
+            <a:r>
+              <a:rPr lang="en-NZ" sz="2400" dirty="0" smtClean="0"/>
+              <a:t>-&gt; 150s</a:t>
             </a:r>
             <a:endParaRPr lang="en-NZ" sz="2400" dirty="0"/>
           </a:p>
@@ -5296,9 +5310,80 @@
   <p:timing>
     <p:tnLst>
       <p:par>
-        <p:cTn id="1" dur="indefinite" restart="never" nodeType="tmRoot"/>
+        <p:cTn id="1" dur="indefinite" restart="never" nodeType="tmRoot">
+          <p:childTnLst>
+            <p:seq concurrent="1" nextAc="seek">
+              <p:cTn id="2" dur="indefinite" nodeType="mainSeq">
+                <p:childTnLst>
+                  <p:par>
+                    <p:cTn id="3" fill="hold">
+                      <p:stCondLst>
+                        <p:cond delay="indefinite"/>
+                      </p:stCondLst>
+                      <p:childTnLst>
+                        <p:par>
+                          <p:cTn id="4" fill="hold">
+                            <p:stCondLst>
+                              <p:cond delay="0"/>
+                            </p:stCondLst>
+                            <p:childTnLst>
+                              <p:par>
+                                <p:cTn id="5" presetID="1" presetClass="entr" presetSubtype="0" fill="hold" grpId="0" nodeType="clickEffect">
+                                  <p:stCondLst>
+                                    <p:cond delay="0"/>
+                                  </p:stCondLst>
+                                  <p:childTnLst>
+                                    <p:set>
+                                      <p:cBhvr>
+                                        <p:cTn id="6" dur="1" fill="hold">
+                                          <p:stCondLst>
+                                            <p:cond delay="0"/>
+                                          </p:stCondLst>
+                                        </p:cTn>
+                                        <p:tgtEl>
+                                          <p:spTgt spid="5"/>
+                                        </p:tgtEl>
+                                        <p:attrNameLst>
+                                          <p:attrName>style.visibility</p:attrName>
+                                        </p:attrNameLst>
+                                      </p:cBhvr>
+                                      <p:to>
+                                        <p:strVal val="visible"/>
+                                      </p:to>
+                                    </p:set>
+                                  </p:childTnLst>
+                                </p:cTn>
+                              </p:par>
+                            </p:childTnLst>
+                          </p:cTn>
+                        </p:par>
+                      </p:childTnLst>
+                    </p:cTn>
+                  </p:par>
+                </p:childTnLst>
+              </p:cTn>
+              <p:prevCondLst>
+                <p:cond evt="onPrev" delay="0">
+                  <p:tgtEl>
+                    <p:sldTgt/>
+                  </p:tgtEl>
+                </p:cond>
+              </p:prevCondLst>
+              <p:nextCondLst>
+                <p:cond evt="onNext" delay="0">
+                  <p:tgtEl>
+                    <p:sldTgt/>
+                  </p:tgtEl>
+                </p:cond>
+              </p:nextCondLst>
+            </p:seq>
+          </p:childTnLst>
+        </p:cTn>
       </p:par>
     </p:tnLst>
+    <p:bldLst>
+      <p:bldP spid="5" grpId="0"/>
+    </p:bldLst>
   </p:timing>
 </p:sld>
 </file>
@@ -5748,8 +5833,8 @@
           <p:nvPr/>
         </p:nvGraphicFramePr>
         <p:xfrm>
-          <a:off x="4500562" y="214290"/>
-          <a:ext cx="3705860" cy="2194560"/>
+          <a:off x="4723792" y="142852"/>
+          <a:ext cx="3705860" cy="2560320"/>
         </p:xfrm>
         <a:graphic>
           <a:graphicData uri="http://schemas.openxmlformats.org/drawingml/2006/table">
@@ -5934,7 +6019,7 @@
                       <a:pPr algn="ctr"/>
                       <a:r>
                         <a:rPr lang="en-NZ" dirty="0" smtClean="0"/>
-                        <a:t>1XX</a:t>
+                        <a:t>100</a:t>
                       </a:r>
                       <a:endParaRPr lang="en-GB" dirty="0"/>
                     </a:p>
@@ -5949,7 +6034,43 @@
                       <a:pPr algn="ctr"/>
                       <a:r>
                         <a:rPr lang="en-NZ" dirty="0" smtClean="0"/>
-                        <a:t>Sobel filter</a:t>
+                        <a:t>Sobel </a:t>
+                      </a:r>
+                      <a:r>
+                        <a:rPr lang="en-NZ" dirty="0" smtClean="0"/>
+                        <a:t>filter</a:t>
+                      </a:r>
+                      <a:endParaRPr lang="en-GB" dirty="0"/>
+                    </a:p>
+                  </a:txBody>
+                  <a:tcPr/>
+                </a:tc>
+              </a:tr>
+              <a:tr h="329405">
+                <a:tc>
+                  <a:txBody>
+                    <a:bodyPr/>
+                    <a:lstStyle/>
+                    <a:p>
+                      <a:pPr algn="ctr"/>
+                      <a:r>
+                        <a:rPr lang="en-GB" dirty="0" smtClean="0"/>
+                        <a:t>101-111</a:t>
+                      </a:r>
+                      <a:endParaRPr lang="en-GB" dirty="0"/>
+                    </a:p>
+                  </a:txBody>
+                  <a:tcPr/>
+                </a:tc>
+                <a:tc>
+                  <a:txBody>
+                    <a:bodyPr/>
+                    <a:lstStyle/>
+                    <a:p>
+                      <a:pPr algn="ctr"/>
+                      <a:r>
+                        <a:rPr lang="en-GB" dirty="0" smtClean="0"/>
+                        <a:t>Reserved</a:t>
                       </a:r>
                       <a:endParaRPr lang="en-GB" dirty="0"/>
                     </a:p>
@@ -6163,8 +6284,13 @@
           <a:p>
             <a:r>
               <a:rPr lang="en-GB" dirty="0" smtClean="0"/>
-              <a:t>Modified software to compile using G++</a:t>
-            </a:r>
+              <a:t>Modified software to compile using </a:t>
+            </a:r>
+            <a:r>
+              <a:rPr lang="en-GB" dirty="0" smtClean="0"/>
+              <a:t>g++</a:t>
+            </a:r>
+            <a:endParaRPr lang="en-GB" dirty="0" smtClean="0"/>
           </a:p>
           <a:p>
             <a:endParaRPr lang="en-GB" dirty="0"/>
@@ -6215,6 +6341,13 @@
   <p:clrMapOvr>
     <a:masterClrMapping/>
   </p:clrMapOvr>
+  <p:timing>
+    <p:tnLst>
+      <p:par>
+        <p:cTn id="1" dur="indefinite" restart="never" nodeType="tmRoot"/>
+      </p:par>
+    </p:tnLst>
+  </p:timing>
 </p:sld>
 </file>
 
@@ -6269,23 +6402,34 @@
             </a:r>
           </a:p>
           <a:p>
+            <a:pPr>
+              <a:buNone/>
+            </a:pPr>
             <a:endParaRPr lang="en-GB" dirty="0"/>
           </a:p>
           <a:p>
             <a:r>
               <a:rPr lang="en-GB" dirty="0" smtClean="0"/>
-              <a:t>150s -&gt; 0.13s</a:t>
-            </a:r>
-          </a:p>
-          <a:p>
-            <a:endParaRPr lang="en-GB" dirty="0"/>
-          </a:p>
-          <a:p>
+              <a:t>Sobel filtering twice in a row gives a blank </a:t>
+            </a:r>
             <a:r>
               <a:rPr lang="en-GB" dirty="0" smtClean="0"/>
-              <a:t>Sobel filtering twice in a row gives a blank image</a:t>
-            </a:r>
-            <a:endParaRPr lang="en-GB" dirty="0"/>
+              <a:t>image</a:t>
+            </a:r>
+          </a:p>
+          <a:p>
+            <a:endParaRPr lang="en-GB" dirty="0" smtClean="0"/>
+          </a:p>
+          <a:p>
+            <a:r>
+              <a:rPr lang="en-GB" dirty="0" smtClean="0"/>
+              <a:t>150s -&gt; </a:t>
+            </a:r>
+            <a:r>
+              <a:rPr lang="en-GB" dirty="0" smtClean="0"/>
+              <a:t>0.13s</a:t>
+            </a:r>
+            <a:endParaRPr lang="en-GB" dirty="0" smtClean="0"/>
           </a:p>
         </p:txBody>
       </p:sp>
@@ -6310,11 +6454,7 @@
             </a:r>
             <a:r>
               <a:rPr lang="en-NZ" dirty="0" smtClean="0"/>
-              <a:t> </a:t>
-            </a:r>
-            <a:r>
-              <a:rPr lang="en-NZ" dirty="0" smtClean="0"/>
-              <a:t>Filtering</a:t>
+              <a:t> Filtering</a:t>
             </a:r>
             <a:endParaRPr lang="en-GB" dirty="0"/>
           </a:p>
@@ -6325,6 +6465,85 @@
   <p:clrMapOvr>
     <a:masterClrMapping/>
   </p:clrMapOvr>
+  <p:timing>
+    <p:tnLst>
+      <p:par>
+        <p:cTn id="1" dur="indefinite" restart="never" nodeType="tmRoot">
+          <p:childTnLst>
+            <p:seq concurrent="1" nextAc="seek">
+              <p:cTn id="2" dur="indefinite" nodeType="mainSeq">
+                <p:childTnLst>
+                  <p:par>
+                    <p:cTn id="3" fill="hold">
+                      <p:stCondLst>
+                        <p:cond delay="indefinite"/>
+                      </p:stCondLst>
+                      <p:childTnLst>
+                        <p:par>
+                          <p:cTn id="4" fill="hold">
+                            <p:stCondLst>
+                              <p:cond delay="0"/>
+                            </p:stCondLst>
+                            <p:childTnLst>
+                              <p:par>
+                                <p:cTn id="5" presetID="1" presetClass="entr" presetSubtype="0" fill="hold" nodeType="clickEffect">
+                                  <p:stCondLst>
+                                    <p:cond delay="0"/>
+                                  </p:stCondLst>
+                                  <p:childTnLst>
+                                    <p:set>
+                                      <p:cBhvr>
+                                        <p:cTn id="6" dur="1" fill="hold">
+                                          <p:stCondLst>
+                                            <p:cond delay="0"/>
+                                          </p:stCondLst>
+                                        </p:cTn>
+                                        <p:tgtEl>
+                                          <p:spTgt spid="2">
+                                            <p:txEl>
+                                              <p:pRg st="6" end="6"/>
+                                            </p:txEl>
+                                          </p:spTgt>
+                                        </p:tgtEl>
+                                        <p:attrNameLst>
+                                          <p:attrName>style.visibility</p:attrName>
+                                        </p:attrNameLst>
+                                      </p:cBhvr>
+                                      <p:to>
+                                        <p:strVal val="visible"/>
+                                      </p:to>
+                                    </p:set>
+                                  </p:childTnLst>
+                                </p:cTn>
+                              </p:par>
+                            </p:childTnLst>
+                          </p:cTn>
+                        </p:par>
+                      </p:childTnLst>
+                    </p:cTn>
+                  </p:par>
+                </p:childTnLst>
+              </p:cTn>
+              <p:prevCondLst>
+                <p:cond evt="onPrev" delay="0">
+                  <p:tgtEl>
+                    <p:sldTgt/>
+                  </p:tgtEl>
+                </p:cond>
+              </p:prevCondLst>
+              <p:nextCondLst>
+                <p:cond evt="onNext" delay="0">
+                  <p:tgtEl>
+                    <p:sldTgt/>
+                  </p:tgtEl>
+                </p:cond>
+              </p:nextCondLst>
+            </p:seq>
+          </p:childTnLst>
+        </p:cTn>
+      </p:par>
+    </p:tnLst>
+  </p:timing>
 </p:sld>
 </file>
 
@@ -6416,6 +6635,13 @@
   <p:clrMapOvr>
     <a:masterClrMapping/>
   </p:clrMapOvr>
+  <p:timing>
+    <p:tnLst>
+      <p:par>
+        <p:cTn id="1" dur="indefinite" restart="never" nodeType="tmRoot"/>
+      </p:par>
+    </p:tnLst>
+  </p:timing>
 </p:sld>
 </file>
 
@@ -6483,7 +6709,6 @@
               <a:rPr lang="en-NZ" dirty="0" smtClean="0"/>
               <a:t>100s -&gt; 87s</a:t>
             </a:r>
-            <a:endParaRPr lang="en-NZ" dirty="0" smtClean="0"/>
           </a:p>
           <a:p>
             <a:endParaRPr lang="en-NZ" dirty="0"/>
@@ -6558,6 +6783,13 @@
   <p:clrMapOvr>
     <a:masterClrMapping/>
   </p:clrMapOvr>
+  <p:timing>
+    <p:tnLst>
+      <p:par>
+        <p:cTn id="1" dur="indefinite" restart="never" nodeType="tmRoot"/>
+      </p:par>
+    </p:tnLst>
+  </p:timing>
 </p:sld>
 </file>
 

--- a/documentation/Phase 3.pptx
+++ b/documentation/Phase 3.pptx
@@ -115,7 +115,7 @@
   </p:defaultTextStyle>
   <p:extLst>
     <p:ext uri="{EFAFB233-063F-42B5-8137-9DF3F51BA10A}">
-      <p15:sldGuideLst xmlns:p15="http://schemas.microsoft.com/office/powerpoint/2012/main" xmlns="">
+      <p15:sldGuideLst xmlns="" xmlns:p15="http://schemas.microsoft.com/office/powerpoint/2012/main">
         <p15:guide id="1" orient="horz" pos="2160">
           <p15:clr>
             <a:srgbClr val="A4A3A4"/>
@@ -4734,11 +4734,7 @@
           <a:p>
             <a:r>
               <a:rPr lang="en-NZ" dirty="0" smtClean="0"/>
-              <a:t>Hardware filter daisy </a:t>
-            </a:r>
-            <a:r>
-              <a:rPr lang="en-NZ" dirty="0" smtClean="0"/>
-              <a:t>chaining</a:t>
+              <a:t>Hardware filter daisy chaining</a:t>
             </a:r>
           </a:p>
           <a:p>
@@ -4749,7 +4745,6 @@
               <a:rPr lang="en-NZ" dirty="0" smtClean="0"/>
               <a:t>Multithreaded dual-core</a:t>
             </a:r>
-            <a:endParaRPr lang="en-NZ" dirty="0" smtClean="0"/>
           </a:p>
           <a:p>
             <a:endParaRPr lang="en-NZ" dirty="0" smtClean="0"/>
@@ -4768,7 +4763,6 @@
               <a:rPr lang="en-NZ" dirty="0" smtClean="0"/>
               <a:t>Luminance</a:t>
             </a:r>
-            <a:endParaRPr lang="en-NZ" dirty="0" smtClean="0"/>
           </a:p>
         </p:txBody>
       </p:sp>
@@ -4881,7 +4875,7 @@
         </p:nvSpPr>
         <p:spPr>
           <a:xfrm>
-            <a:off x="899592" y="4338033"/>
+            <a:off x="785786" y="4338033"/>
             <a:ext cx="1512167" cy="923330"/>
           </a:xfrm>
           <a:prstGeom prst="rect">
@@ -4953,7 +4947,7 @@
         </p:nvSpPr>
         <p:spPr>
           <a:xfrm>
-            <a:off x="3815917" y="4338033"/>
+            <a:off x="3786182" y="4429132"/>
             <a:ext cx="1512167" cy="923330"/>
           </a:xfrm>
           <a:prstGeom prst="rect">
@@ -4983,7 +4977,7 @@
         </p:nvSpPr>
         <p:spPr>
           <a:xfrm>
-            <a:off x="3815917" y="5305861"/>
+            <a:off x="3786182" y="5396960"/>
             <a:ext cx="1512167" cy="646331"/>
           </a:xfrm>
           <a:prstGeom prst="rect">
@@ -5006,6 +5000,126 @@
               <a:rPr lang="en-NZ" dirty="0" smtClean="0"/>
               <a:t> Filtering</a:t>
             </a:r>
+          </a:p>
+        </p:txBody>
+      </p:sp>
+      <p:sp>
+        <p:nvSpPr>
+          <p:cNvPr id="8" name="Left Brace 7"/>
+          <p:cNvSpPr/>
+          <p:nvPr/>
+        </p:nvSpPr>
+        <p:spPr>
+          <a:xfrm rot="16200000">
+            <a:off x="4250529" y="3393281"/>
+            <a:ext cx="500066" cy="1428760"/>
+          </a:xfrm>
+          <a:prstGeom prst="leftBrace">
+            <a:avLst/>
+          </a:prstGeom>
+          <a:ln w="19050"/>
+        </p:spPr>
+        <p:style>
+          <a:lnRef idx="1">
+            <a:schemeClr val="dk1"/>
+          </a:lnRef>
+          <a:fillRef idx="0">
+            <a:schemeClr val="dk1"/>
+          </a:fillRef>
+          <a:effectRef idx="0">
+            <a:schemeClr val="dk1"/>
+          </a:effectRef>
+          <a:fontRef idx="minor">
+            <a:schemeClr val="tx1"/>
+          </a:fontRef>
+        </p:style>
+        <p:txBody>
+          <a:bodyPr rtlCol="0" anchor="ctr"/>
+          <a:lstStyle/>
+          <a:p>
+            <a:pPr algn="ctr"/>
+            <a:endParaRPr lang="en-GB"/>
+          </a:p>
+        </p:txBody>
+      </p:sp>
+      <p:sp>
+        <p:nvSpPr>
+          <p:cNvPr id="9" name="Left Brace 8"/>
+          <p:cNvSpPr/>
+          <p:nvPr/>
+        </p:nvSpPr>
+        <p:spPr>
+          <a:xfrm rot="16200000">
+            <a:off x="5965041" y="3393281"/>
+            <a:ext cx="500066" cy="1428760"/>
+          </a:xfrm>
+          <a:prstGeom prst="leftBrace">
+            <a:avLst/>
+          </a:prstGeom>
+          <a:ln w="19050"/>
+        </p:spPr>
+        <p:style>
+          <a:lnRef idx="1">
+            <a:schemeClr val="dk1"/>
+          </a:lnRef>
+          <a:fillRef idx="0">
+            <a:schemeClr val="dk1"/>
+          </a:fillRef>
+          <a:effectRef idx="0">
+            <a:schemeClr val="dk1"/>
+          </a:effectRef>
+          <a:fontRef idx="minor">
+            <a:schemeClr val="tx1"/>
+          </a:fontRef>
+        </p:style>
+        <p:txBody>
+          <a:bodyPr rtlCol="0" anchor="ctr"/>
+          <a:lstStyle/>
+          <a:p>
+            <a:pPr algn="ctr"/>
+            <a:endParaRPr lang="en-GB"/>
+          </a:p>
+        </p:txBody>
+      </p:sp>
+      <p:sp>
+        <p:nvSpPr>
+          <p:cNvPr id="10" name="Left Brace 9"/>
+          <p:cNvSpPr/>
+          <p:nvPr/>
+        </p:nvSpPr>
+        <p:spPr>
+          <a:xfrm rot="16200000">
+            <a:off x="843276" y="3358128"/>
+            <a:ext cx="500066" cy="1428760"/>
+          </a:xfrm>
+          <a:prstGeom prst="leftBrace">
+            <a:avLst>
+              <a:gd name="adj1" fmla="val 8333"/>
+              <a:gd name="adj2" fmla="val 80476"/>
+            </a:avLst>
+          </a:prstGeom>
+          <a:ln w="19050"/>
+        </p:spPr>
+        <p:style>
+          <a:lnRef idx="1">
+            <a:schemeClr val="dk1"/>
+          </a:lnRef>
+          <a:fillRef idx="0">
+            <a:schemeClr val="dk1"/>
+          </a:fillRef>
+          <a:effectRef idx="0">
+            <a:schemeClr val="dk1"/>
+          </a:effectRef>
+          <a:fontRef idx="minor">
+            <a:schemeClr val="tx1"/>
+          </a:fontRef>
+        </p:style>
+        <p:txBody>
+          <a:bodyPr rtlCol="0" anchor="ctr"/>
+          <a:lstStyle/>
+          <a:p>
+            <a:pPr algn="ctr"/>
+            <a:endParaRPr lang="en-GB"/>
           </a:p>
         </p:txBody>
       </p:sp>
@@ -5292,11 +5406,7 @@
             <a:pPr algn="ctr"/>
             <a:r>
               <a:rPr lang="en-NZ" sz="2400" dirty="0" smtClean="0"/>
-              <a:t>465s </a:t>
-            </a:r>
-            <a:r>
-              <a:rPr lang="en-NZ" sz="2400" dirty="0" smtClean="0"/>
-              <a:t>-&gt; 150s</a:t>
+              <a:t>465s -&gt; 150s</a:t>
             </a:r>
             <a:endParaRPr lang="en-NZ" sz="2400" dirty="0"/>
           </a:p>
@@ -6034,11 +6144,7 @@
                       <a:pPr algn="ctr"/>
                       <a:r>
                         <a:rPr lang="en-NZ" dirty="0" smtClean="0"/>
-                        <a:t>Sobel </a:t>
-                      </a:r>
-                      <a:r>
-                        <a:rPr lang="en-NZ" dirty="0" smtClean="0"/>
-                        <a:t>filter</a:t>
+                        <a:t>Sobel filter</a:t>
                       </a:r>
                       <a:endParaRPr lang="en-GB" dirty="0"/>
                     </a:p>
@@ -6284,13 +6390,8 @@
           <a:p>
             <a:r>
               <a:rPr lang="en-GB" dirty="0" smtClean="0"/>
-              <a:t>Modified software to compile using </a:t>
-            </a:r>
-            <a:r>
-              <a:rPr lang="en-GB" dirty="0" smtClean="0"/>
-              <a:t>g++</a:t>
-            </a:r>
-            <a:endParaRPr lang="en-GB" dirty="0" smtClean="0"/>
+              <a:t>Modified software to compile using g++</a:t>
+            </a:r>
           </a:p>
           <a:p>
             <a:endParaRPr lang="en-GB" dirty="0"/>
@@ -6336,6 +6437,32 @@
           </a:p>
         </p:txBody>
       </p:sp>
+      <p:pic>
+        <p:nvPicPr>
+          <p:cNvPr id="4" name="Picture 2" descr="https://upload.wikimedia.org/wikipedia/commons/thumb/3/32/OpenCV_Logo_with_text_svg_version.svg/1200px-OpenCV_Logo_with_text_svg_version.svg.png"/>
+          <p:cNvPicPr>
+            <a:picLocks noChangeAspect="1" noChangeArrowheads="1"/>
+          </p:cNvPicPr>
+          <p:nvPr/>
+        </p:nvPicPr>
+        <p:blipFill>
+          <a:blip r:embed="rId2" cstate="print"/>
+          <a:srcRect/>
+          <a:stretch>
+            <a:fillRect/>
+          </a:stretch>
+        </p:blipFill>
+        <p:spPr bwMode="auto">
+          <a:xfrm>
+            <a:off x="8286776" y="5857892"/>
+            <a:ext cx="714348" cy="880838"/>
+          </a:xfrm>
+          <a:prstGeom prst="rect">
+            <a:avLst/>
+          </a:prstGeom>
+          <a:noFill/>
+        </p:spPr>
+      </p:pic>
     </p:spTree>
   </p:cSld>
   <p:clrMapOvr>
@@ -6410,26 +6537,17 @@
           <a:p>
             <a:r>
               <a:rPr lang="en-GB" dirty="0" smtClean="0"/>
-              <a:t>Sobel filtering twice in a row gives a blank </a:t>
-            </a:r>
+              <a:t>Sobel filtering twice in a row gives a blank image</a:t>
+            </a:r>
+          </a:p>
+          <a:p>
+            <a:endParaRPr lang="en-GB" dirty="0" smtClean="0"/>
+          </a:p>
+          <a:p>
             <a:r>
               <a:rPr lang="en-GB" dirty="0" smtClean="0"/>
-              <a:t>image</a:t>
-            </a:r>
-          </a:p>
-          <a:p>
-            <a:endParaRPr lang="en-GB" dirty="0" smtClean="0"/>
-          </a:p>
-          <a:p>
-            <a:r>
-              <a:rPr lang="en-GB" dirty="0" smtClean="0"/>
-              <a:t>150s -&gt; </a:t>
-            </a:r>
-            <a:r>
-              <a:rPr lang="en-GB" dirty="0" smtClean="0"/>
-              <a:t>0.13s</a:t>
-            </a:r>
-            <a:endParaRPr lang="en-GB" dirty="0" smtClean="0"/>
+              <a:t>150s -&gt; 0.13s</a:t>
+            </a:r>
           </a:p>
         </p:txBody>
       </p:sp>
@@ -6460,6 +6578,32 @@
           </a:p>
         </p:txBody>
       </p:sp>
+      <p:pic>
+        <p:nvPicPr>
+          <p:cNvPr id="4098" name="Picture 2" descr="https://upload.wikimedia.org/wikipedia/commons/thumb/3/32/OpenCV_Logo_with_text_svg_version.svg/1200px-OpenCV_Logo_with_text_svg_version.svg.png"/>
+          <p:cNvPicPr>
+            <a:picLocks noChangeAspect="1" noChangeArrowheads="1"/>
+          </p:cNvPicPr>
+          <p:nvPr/>
+        </p:nvPicPr>
+        <p:blipFill>
+          <a:blip r:embed="rId2" cstate="print"/>
+          <a:srcRect/>
+          <a:stretch>
+            <a:fillRect/>
+          </a:stretch>
+        </p:blipFill>
+        <p:spPr bwMode="auto">
+          <a:xfrm>
+            <a:off x="8286776" y="5857892"/>
+            <a:ext cx="714348" cy="880838"/>
+          </a:xfrm>
+          <a:prstGeom prst="rect">
+            <a:avLst/>
+          </a:prstGeom>
+          <a:noFill/>
+        </p:spPr>
+      </p:pic>
     </p:spTree>
   </p:cSld>
   <p:clrMapOvr>
